--- a/Projects/SecondSem/Scissors, Paper Rock Game.pptx
+++ b/Projects/SecondSem/Scissors, Paper Rock Game.pptx
@@ -4,17 +4,20 @@
   <p:sldMasterIdLst>
     <p:sldMasterId id="2147483660" r:id="rId1"/>
   </p:sldMasterIdLst>
+  <p:notesMasterIdLst>
+    <p:notesMasterId r:id="rId9"/>
+  </p:notesMasterIdLst>
+  <p:handoutMasterIdLst>
+    <p:handoutMasterId r:id="rId10"/>
+  </p:handoutMasterIdLst>
   <p:sldIdLst>
     <p:sldId id="256" r:id="rId2"/>
     <p:sldId id="257" r:id="rId3"/>
     <p:sldId id="258" r:id="rId4"/>
-    <p:sldId id="259" r:id="rId5"/>
+    <p:sldId id="268" r:id="rId5"/>
     <p:sldId id="260" r:id="rId6"/>
-    <p:sldId id="261" r:id="rId7"/>
-    <p:sldId id="262" r:id="rId8"/>
-    <p:sldId id="263" r:id="rId9"/>
-    <p:sldId id="264" r:id="rId10"/>
-    <p:sldId id="265" r:id="rId11"/>
+    <p:sldId id="270" r:id="rId7"/>
+    <p:sldId id="267" r:id="rId8"/>
   </p:sldIdLst>
   <p:sldSz cx="12192000" cy="6858000"/>
   <p:notesSz cx="6858000" cy="9144000"/>
@@ -113,7 +116,552 @@
       </a:defRPr>
     </a:lvl9pPr>
   </p:defaultTextStyle>
+  <p:extLst>
+    <p:ext uri="{EFAFB233-063F-42B5-8137-9DF3F51BA10A}">
+      <p15:sldGuideLst xmlns:p15="http://schemas.microsoft.com/office/powerpoint/2012/main"/>
+    </p:ext>
+  </p:extLst>
 </p:presentation>
+</file>
+
+<file path=ppt/handoutMasters/handoutMaster1.xml><?xml version="1.0" encoding="utf-8"?>
+<p:handoutMaster xmlns:a="http://schemas.openxmlformats.org/drawingml/2006/main" xmlns:r="http://schemas.openxmlformats.org/officeDocument/2006/relationships" xmlns:p="http://schemas.openxmlformats.org/presentationml/2006/main">
+  <p:cSld>
+    <p:bg>
+      <p:bgRef idx="1001">
+        <a:schemeClr val="bg1"/>
+      </p:bgRef>
+    </p:bg>
+    <p:spTree>
+      <p:nvGrpSpPr>
+        <p:cNvPr id="1" name=""/>
+        <p:cNvGrpSpPr/>
+        <p:nvPr/>
+      </p:nvGrpSpPr>
+      <p:grpSpPr>
+        <a:xfrm>
+          <a:off x="0" y="0"/>
+          <a:ext cx="0" cy="0"/>
+          <a:chOff x="0" y="0"/>
+          <a:chExt cx="0" cy="0"/>
+        </a:xfrm>
+      </p:grpSpPr>
+      <p:sp>
+        <p:nvSpPr>
+          <p:cNvPr id="2" name="Header Placeholder 1">
+            <a:extLst>
+              <a:ext uri="{FF2B5EF4-FFF2-40B4-BE49-F238E27FC236}">
+                <a16:creationId xmlns:a16="http://schemas.microsoft.com/office/drawing/2014/main" xmlns="" id="{6967A22B-8BAB-1994-F0FF-B434611EFFC0}"/>
+              </a:ext>
+            </a:extLst>
+          </p:cNvPr>
+          <p:cNvSpPr>
+            <a:spLocks noGrp="1"/>
+          </p:cNvSpPr>
+          <p:nvPr>
+            <p:ph type="hdr" sz="quarter"/>
+          </p:nvPr>
+        </p:nvSpPr>
+        <p:spPr>
+          <a:xfrm>
+            <a:off x="0" y="0"/>
+            <a:ext cx="2971800" cy="458788"/>
+          </a:xfrm>
+          <a:prstGeom prst="rect">
+            <a:avLst/>
+          </a:prstGeom>
+        </p:spPr>
+        <p:txBody>
+          <a:bodyPr vert="horz" lIns="91440" tIns="45720" rIns="91440" bIns="45720" rtlCol="0"/>
+          <a:lstStyle>
+            <a:lvl1pPr algn="l">
+              <a:defRPr sz="1200"/>
+            </a:lvl1pPr>
+          </a:lstStyle>
+          <a:p>
+            <a:endParaRPr lang="en-US"/>
+          </a:p>
+        </p:txBody>
+      </p:sp>
+      <p:sp>
+        <p:nvSpPr>
+          <p:cNvPr id="3" name="Date Placeholder 2">
+            <a:extLst>
+              <a:ext uri="{FF2B5EF4-FFF2-40B4-BE49-F238E27FC236}">
+                <a16:creationId xmlns:a16="http://schemas.microsoft.com/office/drawing/2014/main" xmlns="" id="{B7D1EC51-C491-D21C-EF35-450041D1222D}"/>
+              </a:ext>
+            </a:extLst>
+          </p:cNvPr>
+          <p:cNvSpPr>
+            <a:spLocks noGrp="1"/>
+          </p:cNvSpPr>
+          <p:nvPr>
+            <p:ph type="dt" sz="quarter" idx="1"/>
+          </p:nvPr>
+        </p:nvSpPr>
+        <p:spPr>
+          <a:xfrm>
+            <a:off x="3884613" y="0"/>
+            <a:ext cx="2971800" cy="458788"/>
+          </a:xfrm>
+          <a:prstGeom prst="rect">
+            <a:avLst/>
+          </a:prstGeom>
+        </p:spPr>
+        <p:txBody>
+          <a:bodyPr vert="horz" lIns="91440" tIns="45720" rIns="91440" bIns="45720" rtlCol="0"/>
+          <a:lstStyle>
+            <a:lvl1pPr algn="r">
+              <a:defRPr sz="1200"/>
+            </a:lvl1pPr>
+          </a:lstStyle>
+          <a:p>
+            <a:fld id="{888D4E74-1CB1-4C67-9988-8377FBC008F4}" type="datetimeFigureOut">
+              <a:rPr lang="en-US" smtClean="0"/>
+              <a:t>3/9/2023</a:t>
+            </a:fld>
+            <a:endParaRPr lang="en-US"/>
+          </a:p>
+        </p:txBody>
+      </p:sp>
+      <p:sp>
+        <p:nvSpPr>
+          <p:cNvPr id="4" name="Footer Placeholder 3">
+            <a:extLst>
+              <a:ext uri="{FF2B5EF4-FFF2-40B4-BE49-F238E27FC236}">
+                <a16:creationId xmlns:a16="http://schemas.microsoft.com/office/drawing/2014/main" xmlns="" id="{1FEB6D63-5642-F563-87C1-9FE2B5900F55}"/>
+              </a:ext>
+            </a:extLst>
+          </p:cNvPr>
+          <p:cNvSpPr>
+            <a:spLocks noGrp="1"/>
+          </p:cNvSpPr>
+          <p:nvPr>
+            <p:ph type="ftr" sz="quarter" idx="2"/>
+          </p:nvPr>
+        </p:nvSpPr>
+        <p:spPr>
+          <a:xfrm>
+            <a:off x="0" y="8685213"/>
+            <a:ext cx="2971800" cy="458787"/>
+          </a:xfrm>
+          <a:prstGeom prst="rect">
+            <a:avLst/>
+          </a:prstGeom>
+        </p:spPr>
+        <p:txBody>
+          <a:bodyPr vert="horz" lIns="91440" tIns="45720" rIns="91440" bIns="45720" rtlCol="0" anchor="b"/>
+          <a:lstStyle>
+            <a:lvl1pPr algn="l">
+              <a:defRPr sz="1200"/>
+            </a:lvl1pPr>
+          </a:lstStyle>
+          <a:p>
+            <a:endParaRPr lang="en-US"/>
+          </a:p>
+        </p:txBody>
+      </p:sp>
+      <p:sp>
+        <p:nvSpPr>
+          <p:cNvPr id="5" name="Slide Number Placeholder 4">
+            <a:extLst>
+              <a:ext uri="{FF2B5EF4-FFF2-40B4-BE49-F238E27FC236}">
+                <a16:creationId xmlns:a16="http://schemas.microsoft.com/office/drawing/2014/main" xmlns="" id="{64DD4E87-03E4-9BBE-5BCE-5F06D59615F8}"/>
+              </a:ext>
+            </a:extLst>
+          </p:cNvPr>
+          <p:cNvSpPr>
+            <a:spLocks noGrp="1"/>
+          </p:cNvSpPr>
+          <p:nvPr>
+            <p:ph type="sldNum" sz="quarter" idx="3"/>
+          </p:nvPr>
+        </p:nvSpPr>
+        <p:spPr>
+          <a:xfrm>
+            <a:off x="3884613" y="8685213"/>
+            <a:ext cx="2971800" cy="458787"/>
+          </a:xfrm>
+          <a:prstGeom prst="rect">
+            <a:avLst/>
+          </a:prstGeom>
+        </p:spPr>
+        <p:txBody>
+          <a:bodyPr vert="horz" lIns="91440" tIns="45720" rIns="91440" bIns="45720" rtlCol="0" anchor="b"/>
+          <a:lstStyle>
+            <a:lvl1pPr algn="r">
+              <a:defRPr sz="1200"/>
+            </a:lvl1pPr>
+          </a:lstStyle>
+          <a:p>
+            <a:fld id="{284948BD-CD03-44E5-A2DD-AED1D3E4F74C}" type="slidenum">
+              <a:rPr lang="en-US" smtClean="0"/>
+              <a:t>‹#›</a:t>
+            </a:fld>
+            <a:endParaRPr lang="en-US"/>
+          </a:p>
+        </p:txBody>
+      </p:sp>
+    </p:spTree>
+    <p:extLst>
+      <p:ext uri="{BB962C8B-B14F-4D97-AF65-F5344CB8AC3E}">
+        <p14:creationId xmlns:p14="http://schemas.microsoft.com/office/powerpoint/2010/main" val="940726916"/>
+      </p:ext>
+    </p:extLst>
+  </p:cSld>
+  <p:clrMap bg1="lt1" tx1="dk1" bg2="lt2" tx2="dk2" accent1="accent1" accent2="accent2" accent3="accent3" accent4="accent4" accent5="accent5" accent6="accent6" hlink="hlink" folHlink="folHlink"/>
+  <p:hf hdr="0" ftr="0" dt="0"/>
+</p:handoutMaster>
+</file>
+
+<file path=ppt/notesMasters/notesMaster1.xml><?xml version="1.0" encoding="utf-8"?>
+<p:notesMaster xmlns:a="http://schemas.openxmlformats.org/drawingml/2006/main" xmlns:r="http://schemas.openxmlformats.org/officeDocument/2006/relationships" xmlns:p="http://schemas.openxmlformats.org/presentationml/2006/main">
+  <p:cSld>
+    <p:bg>
+      <p:bgRef idx="1001">
+        <a:schemeClr val="bg1"/>
+      </p:bgRef>
+    </p:bg>
+    <p:spTree>
+      <p:nvGrpSpPr>
+        <p:cNvPr id="1" name=""/>
+        <p:cNvGrpSpPr/>
+        <p:nvPr/>
+      </p:nvGrpSpPr>
+      <p:grpSpPr>
+        <a:xfrm>
+          <a:off x="0" y="0"/>
+          <a:ext cx="0" cy="0"/>
+          <a:chOff x="0" y="0"/>
+          <a:chExt cx="0" cy="0"/>
+        </a:xfrm>
+      </p:grpSpPr>
+      <p:sp>
+        <p:nvSpPr>
+          <p:cNvPr id="2" name="Header Placeholder 1"/>
+          <p:cNvSpPr>
+            <a:spLocks noGrp="1"/>
+          </p:cNvSpPr>
+          <p:nvPr>
+            <p:ph type="hdr" sz="quarter"/>
+          </p:nvPr>
+        </p:nvSpPr>
+        <p:spPr>
+          <a:xfrm>
+            <a:off x="0" y="0"/>
+            <a:ext cx="2971800" cy="458788"/>
+          </a:xfrm>
+          <a:prstGeom prst="rect">
+            <a:avLst/>
+          </a:prstGeom>
+        </p:spPr>
+        <p:txBody>
+          <a:bodyPr vert="horz" lIns="91440" tIns="45720" rIns="91440" bIns="45720" rtlCol="0"/>
+          <a:lstStyle>
+            <a:lvl1pPr algn="l">
+              <a:defRPr sz="1200"/>
+            </a:lvl1pPr>
+          </a:lstStyle>
+          <a:p>
+            <a:endParaRPr lang="en-US"/>
+          </a:p>
+        </p:txBody>
+      </p:sp>
+      <p:sp>
+        <p:nvSpPr>
+          <p:cNvPr id="3" name="Date Placeholder 2"/>
+          <p:cNvSpPr>
+            <a:spLocks noGrp="1"/>
+          </p:cNvSpPr>
+          <p:nvPr>
+            <p:ph type="dt" idx="1"/>
+          </p:nvPr>
+        </p:nvSpPr>
+        <p:spPr>
+          <a:xfrm>
+            <a:off x="3884613" y="0"/>
+            <a:ext cx="2971800" cy="458788"/>
+          </a:xfrm>
+          <a:prstGeom prst="rect">
+            <a:avLst/>
+          </a:prstGeom>
+        </p:spPr>
+        <p:txBody>
+          <a:bodyPr vert="horz" lIns="91440" tIns="45720" rIns="91440" bIns="45720" rtlCol="0"/>
+          <a:lstStyle>
+            <a:lvl1pPr algn="r">
+              <a:defRPr sz="1200"/>
+            </a:lvl1pPr>
+          </a:lstStyle>
+          <a:p>
+            <a:fld id="{54FABA6F-75C5-4D13-9659-76761620B751}" type="datetimeFigureOut">
+              <a:rPr lang="en-US" smtClean="0"/>
+              <a:t>3/9/2023</a:t>
+            </a:fld>
+            <a:endParaRPr lang="en-US"/>
+          </a:p>
+        </p:txBody>
+      </p:sp>
+      <p:sp>
+        <p:nvSpPr>
+          <p:cNvPr id="4" name="Slide Image Placeholder 3"/>
+          <p:cNvSpPr>
+            <a:spLocks noGrp="1" noRot="1" noChangeAspect="1"/>
+          </p:cNvSpPr>
+          <p:nvPr>
+            <p:ph type="sldImg" idx="2"/>
+          </p:nvPr>
+        </p:nvSpPr>
+        <p:spPr>
+          <a:xfrm>
+            <a:off x="685800" y="1143000"/>
+            <a:ext cx="5486400" cy="3086100"/>
+          </a:xfrm>
+          <a:prstGeom prst="rect">
+            <a:avLst/>
+          </a:prstGeom>
+          <a:noFill/>
+          <a:ln w="12700">
+            <a:solidFill>
+              <a:prstClr val="black"/>
+            </a:solidFill>
+          </a:ln>
+        </p:spPr>
+        <p:txBody>
+          <a:bodyPr vert="horz" lIns="91440" tIns="45720" rIns="91440" bIns="45720" rtlCol="0" anchor="ctr"/>
+          <a:lstStyle/>
+          <a:p>
+            <a:endParaRPr lang="en-US"/>
+          </a:p>
+        </p:txBody>
+      </p:sp>
+      <p:sp>
+        <p:nvSpPr>
+          <p:cNvPr id="5" name="Notes Placeholder 4"/>
+          <p:cNvSpPr>
+            <a:spLocks noGrp="1"/>
+          </p:cNvSpPr>
+          <p:nvPr>
+            <p:ph type="body" sz="quarter" idx="3"/>
+          </p:nvPr>
+        </p:nvSpPr>
+        <p:spPr>
+          <a:xfrm>
+            <a:off x="685800" y="4400550"/>
+            <a:ext cx="5486400" cy="3600450"/>
+          </a:xfrm>
+          <a:prstGeom prst="rect">
+            <a:avLst/>
+          </a:prstGeom>
+        </p:spPr>
+        <p:txBody>
+          <a:bodyPr vert="horz" lIns="91440" tIns="45720" rIns="91440" bIns="45720" rtlCol="0"/>
+          <a:lstStyle/>
+          <a:p>
+            <a:pPr lvl="0"/>
+            <a:r>
+              <a:rPr lang="en-US"/>
+              <a:t>Click to edit Master text styles</a:t>
+            </a:r>
+          </a:p>
+          <a:p>
+            <a:pPr lvl="1"/>
+            <a:r>
+              <a:rPr lang="en-US"/>
+              <a:t>Second level</a:t>
+            </a:r>
+          </a:p>
+          <a:p>
+            <a:pPr lvl="2"/>
+            <a:r>
+              <a:rPr lang="en-US"/>
+              <a:t>Third level</a:t>
+            </a:r>
+          </a:p>
+          <a:p>
+            <a:pPr lvl="3"/>
+            <a:r>
+              <a:rPr lang="en-US"/>
+              <a:t>Fourth level</a:t>
+            </a:r>
+          </a:p>
+          <a:p>
+            <a:pPr lvl="4"/>
+            <a:r>
+              <a:rPr lang="en-US"/>
+              <a:t>Fifth level</a:t>
+            </a:r>
+          </a:p>
+        </p:txBody>
+      </p:sp>
+      <p:sp>
+        <p:nvSpPr>
+          <p:cNvPr id="6" name="Footer Placeholder 5"/>
+          <p:cNvSpPr>
+            <a:spLocks noGrp="1"/>
+          </p:cNvSpPr>
+          <p:nvPr>
+            <p:ph type="ftr" sz="quarter" idx="4"/>
+          </p:nvPr>
+        </p:nvSpPr>
+        <p:spPr>
+          <a:xfrm>
+            <a:off x="0" y="8685213"/>
+            <a:ext cx="2971800" cy="458787"/>
+          </a:xfrm>
+          <a:prstGeom prst="rect">
+            <a:avLst/>
+          </a:prstGeom>
+        </p:spPr>
+        <p:txBody>
+          <a:bodyPr vert="horz" lIns="91440" tIns="45720" rIns="91440" bIns="45720" rtlCol="0" anchor="b"/>
+          <a:lstStyle>
+            <a:lvl1pPr algn="l">
+              <a:defRPr sz="1200"/>
+            </a:lvl1pPr>
+          </a:lstStyle>
+          <a:p>
+            <a:endParaRPr lang="en-US"/>
+          </a:p>
+        </p:txBody>
+      </p:sp>
+      <p:sp>
+        <p:nvSpPr>
+          <p:cNvPr id="7" name="Slide Number Placeholder 6"/>
+          <p:cNvSpPr>
+            <a:spLocks noGrp="1"/>
+          </p:cNvSpPr>
+          <p:nvPr>
+            <p:ph type="sldNum" sz="quarter" idx="5"/>
+          </p:nvPr>
+        </p:nvSpPr>
+        <p:spPr>
+          <a:xfrm>
+            <a:off x="3884613" y="8685213"/>
+            <a:ext cx="2971800" cy="458787"/>
+          </a:xfrm>
+          <a:prstGeom prst="rect">
+            <a:avLst/>
+          </a:prstGeom>
+        </p:spPr>
+        <p:txBody>
+          <a:bodyPr vert="horz" lIns="91440" tIns="45720" rIns="91440" bIns="45720" rtlCol="0" anchor="b"/>
+          <a:lstStyle>
+            <a:lvl1pPr algn="r">
+              <a:defRPr sz="1200"/>
+            </a:lvl1pPr>
+          </a:lstStyle>
+          <a:p>
+            <a:fld id="{50A315E1-29E8-4A13-8C79-A047102688A8}" type="slidenum">
+              <a:rPr lang="en-US" smtClean="0"/>
+              <a:t>‹#›</a:t>
+            </a:fld>
+            <a:endParaRPr lang="en-US"/>
+          </a:p>
+        </p:txBody>
+      </p:sp>
+    </p:spTree>
+    <p:extLst>
+      <p:ext uri="{BB962C8B-B14F-4D97-AF65-F5344CB8AC3E}">
+        <p14:creationId xmlns:p14="http://schemas.microsoft.com/office/powerpoint/2010/main" val="880496043"/>
+      </p:ext>
+    </p:extLst>
+  </p:cSld>
+  <p:clrMap bg1="lt1" tx1="dk1" bg2="lt2" tx2="dk2" accent1="accent1" accent2="accent2" accent3="accent3" accent4="accent4" accent5="accent5" accent6="accent6" hlink="hlink" folHlink="folHlink"/>
+  <p:hf hdr="0" ftr="0" dt="0"/>
+  <p:notesStyle>
+    <a:lvl1pPr marL="0" algn="l" defTabSz="914400" rtl="0" eaLnBrk="1" latinLnBrk="0" hangingPunct="1">
+      <a:defRPr sz="1200" kern="1200">
+        <a:solidFill>
+          <a:schemeClr val="tx1"/>
+        </a:solidFill>
+        <a:latin typeface="+mn-lt"/>
+        <a:ea typeface="+mn-ea"/>
+        <a:cs typeface="+mn-cs"/>
+      </a:defRPr>
+    </a:lvl1pPr>
+    <a:lvl2pPr marL="457200" algn="l" defTabSz="914400" rtl="0" eaLnBrk="1" latinLnBrk="0" hangingPunct="1">
+      <a:defRPr sz="1200" kern="1200">
+        <a:solidFill>
+          <a:schemeClr val="tx1"/>
+        </a:solidFill>
+        <a:latin typeface="+mn-lt"/>
+        <a:ea typeface="+mn-ea"/>
+        <a:cs typeface="+mn-cs"/>
+      </a:defRPr>
+    </a:lvl2pPr>
+    <a:lvl3pPr marL="914400" algn="l" defTabSz="914400" rtl="0" eaLnBrk="1" latinLnBrk="0" hangingPunct="1">
+      <a:defRPr sz="1200" kern="1200">
+        <a:solidFill>
+          <a:schemeClr val="tx1"/>
+        </a:solidFill>
+        <a:latin typeface="+mn-lt"/>
+        <a:ea typeface="+mn-ea"/>
+        <a:cs typeface="+mn-cs"/>
+      </a:defRPr>
+    </a:lvl3pPr>
+    <a:lvl4pPr marL="1371600" algn="l" defTabSz="914400" rtl="0" eaLnBrk="1" latinLnBrk="0" hangingPunct="1">
+      <a:defRPr sz="1200" kern="1200">
+        <a:solidFill>
+          <a:schemeClr val="tx1"/>
+        </a:solidFill>
+        <a:latin typeface="+mn-lt"/>
+        <a:ea typeface="+mn-ea"/>
+        <a:cs typeface="+mn-cs"/>
+      </a:defRPr>
+    </a:lvl4pPr>
+    <a:lvl5pPr marL="1828800" algn="l" defTabSz="914400" rtl="0" eaLnBrk="1" latinLnBrk="0" hangingPunct="1">
+      <a:defRPr sz="1200" kern="1200">
+        <a:solidFill>
+          <a:schemeClr val="tx1"/>
+        </a:solidFill>
+        <a:latin typeface="+mn-lt"/>
+        <a:ea typeface="+mn-ea"/>
+        <a:cs typeface="+mn-cs"/>
+      </a:defRPr>
+    </a:lvl5pPr>
+    <a:lvl6pPr marL="2286000" algn="l" defTabSz="914400" rtl="0" eaLnBrk="1" latinLnBrk="0" hangingPunct="1">
+      <a:defRPr sz="1200" kern="1200">
+        <a:solidFill>
+          <a:schemeClr val="tx1"/>
+        </a:solidFill>
+        <a:latin typeface="+mn-lt"/>
+        <a:ea typeface="+mn-ea"/>
+        <a:cs typeface="+mn-cs"/>
+      </a:defRPr>
+    </a:lvl6pPr>
+    <a:lvl7pPr marL="2743200" algn="l" defTabSz="914400" rtl="0" eaLnBrk="1" latinLnBrk="0" hangingPunct="1">
+      <a:defRPr sz="1200" kern="1200">
+        <a:solidFill>
+          <a:schemeClr val="tx1"/>
+        </a:solidFill>
+        <a:latin typeface="+mn-lt"/>
+        <a:ea typeface="+mn-ea"/>
+        <a:cs typeface="+mn-cs"/>
+      </a:defRPr>
+    </a:lvl7pPr>
+    <a:lvl8pPr marL="3200400" algn="l" defTabSz="914400" rtl="0" eaLnBrk="1" latinLnBrk="0" hangingPunct="1">
+      <a:defRPr sz="1200" kern="1200">
+        <a:solidFill>
+          <a:schemeClr val="tx1"/>
+        </a:solidFill>
+        <a:latin typeface="+mn-lt"/>
+        <a:ea typeface="+mn-ea"/>
+        <a:cs typeface="+mn-cs"/>
+      </a:defRPr>
+    </a:lvl8pPr>
+    <a:lvl9pPr marL="3657600" algn="l" defTabSz="914400" rtl="0" eaLnBrk="1" latinLnBrk="0" hangingPunct="1">
+      <a:defRPr sz="1200" kern="1200">
+        <a:solidFill>
+          <a:schemeClr val="tx1"/>
+        </a:solidFill>
+        <a:latin typeface="+mn-lt"/>
+        <a:ea typeface="+mn-ea"/>
+        <a:cs typeface="+mn-cs"/>
+      </a:defRPr>
+    </a:lvl9pPr>
+  </p:notesStyle>
+</p:notesMaster>
 </file>
 
 <file path=ppt/slideLayouts/slideLayout1.xml><?xml version="1.0" encoding="utf-8"?>
@@ -694,7 +1242,7 @@
           </a:lstStyle>
           <a:p>
             <a:r>
-              <a:rPr lang="en-US" smtClean="0"/>
+              <a:rPr lang="en-US"/>
               <a:t>Click to edit Master title style</a:t>
             </a:r>
             <a:endParaRPr lang="en-US" dirty="0"/>
@@ -814,31 +1362,31 @@
           </a:lstStyle>
           <a:p>
             <a:r>
+              <a:rPr lang="en-US"/>
+              <a:t>Click to edit Master subtitle style</a:t>
+            </a:r>
+            <a:endParaRPr lang="en-US" dirty="0"/>
+          </a:p>
+        </p:txBody>
+      </p:sp>
+      <p:sp>
+        <p:nvSpPr>
+          <p:cNvPr id="4" name="Date Placeholder 3"/>
+          <p:cNvSpPr>
+            <a:spLocks noGrp="1"/>
+          </p:cNvSpPr>
+          <p:nvPr>
+            <p:ph type="dt" sz="half" idx="10"/>
+          </p:nvPr>
+        </p:nvSpPr>
+        <p:spPr/>
+        <p:txBody>
+          <a:bodyPr/>
+          <a:lstStyle/>
+          <a:p>
+            <a:fld id="{2C9806A2-C8EB-4518-A476-18E3BAC6EBBC}" type="datetime1">
               <a:rPr lang="en-US" smtClean="0"/>
-              <a:t>Click to edit Master subtitle style</a:t>
-            </a:r>
-            <a:endParaRPr lang="en-US" dirty="0"/>
-          </a:p>
-        </p:txBody>
-      </p:sp>
-      <p:sp>
-        <p:nvSpPr>
-          <p:cNvPr id="4" name="Date Placeholder 3"/>
-          <p:cNvSpPr>
-            <a:spLocks noGrp="1"/>
-          </p:cNvSpPr>
-          <p:nvPr>
-            <p:ph type="dt" sz="half" idx="10"/>
-          </p:nvPr>
-        </p:nvSpPr>
-        <p:spPr/>
-        <p:txBody>
-          <a:bodyPr/>
-          <a:lstStyle/>
-          <a:p>
-            <a:fld id="{29F0E712-E28A-43D1-917B-1128EC8A0BC9}" type="datetimeFigureOut">
-              <a:rPr lang="en-US" smtClean="0"/>
-              <a:t>1/2/2023</a:t>
+              <a:t>3/9/2023</a:t>
             </a:fld>
             <a:endParaRPr lang="en-US"/>
           </a:p>
@@ -943,7 +1491,7 @@
           </a:lstStyle>
           <a:p>
             <a:r>
-              <a:rPr lang="en-US" smtClean="0"/>
+              <a:rPr lang="en-US"/>
               <a:t>Click to edit Master title style</a:t>
             </a:r>
             <a:endParaRPr lang="en-US" dirty="0"/>
@@ -1066,30 +1614,30 @@
           <a:p>
             <a:pPr lvl="0"/>
             <a:r>
+              <a:rPr lang="en-US"/>
+              <a:t>Click to edit Master text styles</a:t>
+            </a:r>
+          </a:p>
+        </p:txBody>
+      </p:sp>
+      <p:sp>
+        <p:nvSpPr>
+          <p:cNvPr id="4" name="Date Placeholder 3"/>
+          <p:cNvSpPr>
+            <a:spLocks noGrp="1"/>
+          </p:cNvSpPr>
+          <p:nvPr>
+            <p:ph type="dt" sz="half" idx="10"/>
+          </p:nvPr>
+        </p:nvSpPr>
+        <p:spPr/>
+        <p:txBody>
+          <a:bodyPr/>
+          <a:lstStyle/>
+          <a:p>
+            <a:fld id="{0FDFF36A-2AF8-4778-BA2B-E60094D23BE3}" type="datetime1">
               <a:rPr lang="en-US" smtClean="0"/>
-              <a:t>Click to edit Master text styles</a:t>
-            </a:r>
-          </a:p>
-        </p:txBody>
-      </p:sp>
-      <p:sp>
-        <p:nvSpPr>
-          <p:cNvPr id="4" name="Date Placeholder 3"/>
-          <p:cNvSpPr>
-            <a:spLocks noGrp="1"/>
-          </p:cNvSpPr>
-          <p:nvPr>
-            <p:ph type="dt" sz="half" idx="10"/>
-          </p:nvPr>
-        </p:nvSpPr>
-        <p:spPr/>
-        <p:txBody>
-          <a:bodyPr/>
-          <a:lstStyle/>
-          <a:p>
-            <a:fld id="{29F0E712-E28A-43D1-917B-1128EC8A0BC9}" type="datetimeFigureOut">
-              <a:rPr lang="en-US" smtClean="0"/>
-              <a:t>1/2/2023</a:t>
+              <a:t>3/9/2023</a:t>
             </a:fld>
             <a:endParaRPr lang="en-US"/>
           </a:p>
@@ -1194,7 +1742,7 @@
           </a:lstStyle>
           <a:p>
             <a:r>
-              <a:rPr lang="en-US" smtClean="0"/>
+              <a:rPr lang="en-US"/>
               <a:t>Click to edit Master title style</a:t>
             </a:r>
             <a:endParaRPr lang="en-US" dirty="0"/>
@@ -1258,7 +1806,7 @@
           <a:p>
             <a:pPr lvl="0"/>
             <a:r>
-              <a:rPr lang="en-US" smtClean="0"/>
+              <a:rPr lang="en-US"/>
               <a:t>Click to edit Master text styles</a:t>
             </a:r>
           </a:p>
@@ -1380,30 +1928,30 @@
           <a:p>
             <a:pPr lvl="0"/>
             <a:r>
+              <a:rPr lang="en-US"/>
+              <a:t>Click to edit Master text styles</a:t>
+            </a:r>
+          </a:p>
+        </p:txBody>
+      </p:sp>
+      <p:sp>
+        <p:nvSpPr>
+          <p:cNvPr id="4" name="Date Placeholder 3"/>
+          <p:cNvSpPr>
+            <a:spLocks noGrp="1"/>
+          </p:cNvSpPr>
+          <p:nvPr>
+            <p:ph type="dt" sz="half" idx="10"/>
+          </p:nvPr>
+        </p:nvSpPr>
+        <p:spPr/>
+        <p:txBody>
+          <a:bodyPr/>
+          <a:lstStyle/>
+          <a:p>
+            <a:fld id="{106B6ABF-E65D-4B5D-ABD7-A5765BA62389}" type="datetime1">
               <a:rPr lang="en-US" smtClean="0"/>
-              <a:t>Click to edit Master text styles</a:t>
-            </a:r>
-          </a:p>
-        </p:txBody>
-      </p:sp>
-      <p:sp>
-        <p:nvSpPr>
-          <p:cNvPr id="4" name="Date Placeholder 3"/>
-          <p:cNvSpPr>
-            <a:spLocks noGrp="1"/>
-          </p:cNvSpPr>
-          <p:nvPr>
-            <p:ph type="dt" sz="half" idx="10"/>
-          </p:nvPr>
-        </p:nvSpPr>
-        <p:spPr/>
-        <p:txBody>
-          <a:bodyPr/>
-          <a:lstStyle/>
-          <a:p>
-            <a:fld id="{29F0E712-E28A-43D1-917B-1128EC8A0BC9}" type="datetimeFigureOut">
-              <a:rPr lang="en-US" smtClean="0"/>
-              <a:t>1/2/2023</a:t>
+              <a:t>3/9/2023</a:t>
             </a:fld>
             <a:endParaRPr lang="en-US"/>
           </a:p>
@@ -1598,7 +2146,7 @@
           </a:lstStyle>
           <a:p>
             <a:r>
-              <a:rPr lang="en-US" smtClean="0"/>
+              <a:rPr lang="en-US"/>
               <a:t>Click to edit Master title style</a:t>
             </a:r>
             <a:endParaRPr lang="en-US" dirty="0"/>
@@ -1721,30 +2269,30 @@
           <a:p>
             <a:pPr lvl="0"/>
             <a:r>
+              <a:rPr lang="en-US"/>
+              <a:t>Click to edit Master text styles</a:t>
+            </a:r>
+          </a:p>
+        </p:txBody>
+      </p:sp>
+      <p:sp>
+        <p:nvSpPr>
+          <p:cNvPr id="4" name="Date Placeholder 3"/>
+          <p:cNvSpPr>
+            <a:spLocks noGrp="1"/>
+          </p:cNvSpPr>
+          <p:nvPr>
+            <p:ph type="dt" sz="half" idx="10"/>
+          </p:nvPr>
+        </p:nvSpPr>
+        <p:spPr/>
+        <p:txBody>
+          <a:bodyPr/>
+          <a:lstStyle/>
+          <a:p>
+            <a:fld id="{6348F776-F6BC-45E0-9DE2-A8A25B2CD114}" type="datetime1">
               <a:rPr lang="en-US" smtClean="0"/>
-              <a:t>Click to edit Master text styles</a:t>
-            </a:r>
-          </a:p>
-        </p:txBody>
-      </p:sp>
-      <p:sp>
-        <p:nvSpPr>
-          <p:cNvPr id="4" name="Date Placeholder 3"/>
-          <p:cNvSpPr>
-            <a:spLocks noGrp="1"/>
-          </p:cNvSpPr>
-          <p:nvPr>
-            <p:ph type="dt" sz="half" idx="10"/>
-          </p:nvPr>
-        </p:nvSpPr>
-        <p:spPr/>
-        <p:txBody>
-          <a:bodyPr/>
-          <a:lstStyle/>
-          <a:p>
-            <a:fld id="{29F0E712-E28A-43D1-917B-1128EC8A0BC9}" type="datetimeFigureOut">
-              <a:rPr lang="en-US" smtClean="0"/>
-              <a:t>1/2/2023</a:t>
+              <a:t>3/9/2023</a:t>
             </a:fld>
             <a:endParaRPr lang="en-US"/>
           </a:p>
@@ -1849,7 +2397,7 @@
           </a:lstStyle>
           <a:p>
             <a:r>
-              <a:rPr lang="en-US" smtClean="0"/>
+              <a:rPr lang="en-US"/>
               <a:t>Click to edit Master title style</a:t>
             </a:r>
             <a:endParaRPr lang="en-US" dirty="0"/>
@@ -1913,7 +2461,7 @@
           <a:p>
             <a:pPr lvl="0"/>
             <a:r>
-              <a:rPr lang="en-US" smtClean="0"/>
+              <a:rPr lang="en-US"/>
               <a:t>Click to edit Master text styles</a:t>
             </a:r>
           </a:p>
@@ -2035,30 +2583,30 @@
           <a:p>
             <a:pPr lvl="0"/>
             <a:r>
+              <a:rPr lang="en-US"/>
+              <a:t>Click to edit Master text styles</a:t>
+            </a:r>
+          </a:p>
+        </p:txBody>
+      </p:sp>
+      <p:sp>
+        <p:nvSpPr>
+          <p:cNvPr id="4" name="Date Placeholder 3"/>
+          <p:cNvSpPr>
+            <a:spLocks noGrp="1"/>
+          </p:cNvSpPr>
+          <p:nvPr>
+            <p:ph type="dt" sz="half" idx="10"/>
+          </p:nvPr>
+        </p:nvSpPr>
+        <p:spPr/>
+        <p:txBody>
+          <a:bodyPr/>
+          <a:lstStyle/>
+          <a:p>
+            <a:fld id="{732E8C50-49DB-40CD-85C6-D13F8706A6DD}" type="datetime1">
               <a:rPr lang="en-US" smtClean="0"/>
-              <a:t>Click to edit Master text styles</a:t>
-            </a:r>
-          </a:p>
-        </p:txBody>
-      </p:sp>
-      <p:sp>
-        <p:nvSpPr>
-          <p:cNvPr id="4" name="Date Placeholder 3"/>
-          <p:cNvSpPr>
-            <a:spLocks noGrp="1"/>
-          </p:cNvSpPr>
-          <p:nvPr>
-            <p:ph type="dt" sz="half" idx="10"/>
-          </p:nvPr>
-        </p:nvSpPr>
-        <p:spPr/>
-        <p:txBody>
-          <a:bodyPr/>
-          <a:lstStyle/>
-          <a:p>
-            <a:fld id="{29F0E712-E28A-43D1-917B-1128EC8A0BC9}" type="datetimeFigureOut">
-              <a:rPr lang="en-US" smtClean="0"/>
-              <a:t>1/2/2023</a:t>
+              <a:t>3/9/2023</a:t>
             </a:fld>
             <a:endParaRPr lang="en-US"/>
           </a:p>
@@ -2245,7 +2793,7 @@
           </a:lstStyle>
           <a:p>
             <a:r>
-              <a:rPr lang="en-US" smtClean="0"/>
+              <a:rPr lang="en-US"/>
               <a:t>Click to edit Master title style</a:t>
             </a:r>
             <a:endParaRPr lang="en-US" dirty="0"/>
@@ -2306,7 +2854,7 @@
           <a:p>
             <a:pPr lvl="0"/>
             <a:r>
-              <a:rPr lang="en-US" smtClean="0"/>
+              <a:rPr lang="en-US"/>
               <a:t>Click to edit Master text styles</a:t>
             </a:r>
           </a:p>
@@ -2428,30 +2976,30 @@
           <a:p>
             <a:pPr lvl="0"/>
             <a:r>
+              <a:rPr lang="en-US"/>
+              <a:t>Click to edit Master text styles</a:t>
+            </a:r>
+          </a:p>
+        </p:txBody>
+      </p:sp>
+      <p:sp>
+        <p:nvSpPr>
+          <p:cNvPr id="4" name="Date Placeholder 3"/>
+          <p:cNvSpPr>
+            <a:spLocks noGrp="1"/>
+          </p:cNvSpPr>
+          <p:nvPr>
+            <p:ph type="dt" sz="half" idx="10"/>
+          </p:nvPr>
+        </p:nvSpPr>
+        <p:spPr/>
+        <p:txBody>
+          <a:bodyPr/>
+          <a:lstStyle/>
+          <a:p>
+            <a:fld id="{ABDC1508-32DA-4F81-BB48-CDE620B510D5}" type="datetime1">
               <a:rPr lang="en-US" smtClean="0"/>
-              <a:t>Click to edit Master text styles</a:t>
-            </a:r>
-          </a:p>
-        </p:txBody>
-      </p:sp>
-      <p:sp>
-        <p:nvSpPr>
-          <p:cNvPr id="4" name="Date Placeholder 3"/>
-          <p:cNvSpPr>
-            <a:spLocks noGrp="1"/>
-          </p:cNvSpPr>
-          <p:nvPr>
-            <p:ph type="dt" sz="half" idx="10"/>
-          </p:nvPr>
-        </p:nvSpPr>
-        <p:spPr/>
-        <p:txBody>
-          <a:bodyPr/>
-          <a:lstStyle/>
-          <a:p>
-            <a:fld id="{29F0E712-E28A-43D1-917B-1128EC8A0BC9}" type="datetimeFigureOut">
-              <a:rPr lang="en-US" smtClean="0"/>
-              <a:t>1/2/2023</a:t>
+              <a:t>3/9/2023</a:t>
             </a:fld>
             <a:endParaRPr lang="en-US"/>
           </a:p>
@@ -2545,83 +3093,83 @@
           <a:lstStyle/>
           <a:p>
             <a:r>
+              <a:rPr lang="en-US"/>
+              <a:t>Click to edit Master title style</a:t>
+            </a:r>
+            <a:endParaRPr lang="en-US" dirty="0"/>
+          </a:p>
+        </p:txBody>
+      </p:sp>
+      <p:sp>
+        <p:nvSpPr>
+          <p:cNvPr id="3" name="Vertical Text Placeholder 2"/>
+          <p:cNvSpPr>
+            <a:spLocks noGrp="1"/>
+          </p:cNvSpPr>
+          <p:nvPr>
+            <p:ph type="body" orient="vert" idx="1"/>
+          </p:nvPr>
+        </p:nvSpPr>
+        <p:spPr/>
+        <p:txBody>
+          <a:bodyPr vert="eaVert"/>
+          <a:lstStyle/>
+          <a:p>
+            <a:pPr lvl="0"/>
+            <a:r>
+              <a:rPr lang="en-US"/>
+              <a:t>Click to edit Master text styles</a:t>
+            </a:r>
+          </a:p>
+          <a:p>
+            <a:pPr lvl="1"/>
+            <a:r>
+              <a:rPr lang="en-US"/>
+              <a:t>Second level</a:t>
+            </a:r>
+          </a:p>
+          <a:p>
+            <a:pPr lvl="2"/>
+            <a:r>
+              <a:rPr lang="en-US"/>
+              <a:t>Third level</a:t>
+            </a:r>
+          </a:p>
+          <a:p>
+            <a:pPr lvl="3"/>
+            <a:r>
+              <a:rPr lang="en-US"/>
+              <a:t>Fourth level</a:t>
+            </a:r>
+          </a:p>
+          <a:p>
+            <a:pPr lvl="4"/>
+            <a:r>
+              <a:rPr lang="en-US"/>
+              <a:t>Fifth level</a:t>
+            </a:r>
+            <a:endParaRPr lang="en-US" dirty="0"/>
+          </a:p>
+        </p:txBody>
+      </p:sp>
+      <p:sp>
+        <p:nvSpPr>
+          <p:cNvPr id="4" name="Date Placeholder 3"/>
+          <p:cNvSpPr>
+            <a:spLocks noGrp="1"/>
+          </p:cNvSpPr>
+          <p:nvPr>
+            <p:ph type="dt" sz="half" idx="10"/>
+          </p:nvPr>
+        </p:nvSpPr>
+        <p:spPr/>
+        <p:txBody>
+          <a:bodyPr/>
+          <a:lstStyle/>
+          <a:p>
+            <a:fld id="{41207190-4B2A-4B04-90E3-E161D0DF69F1}" type="datetime1">
               <a:rPr lang="en-US" smtClean="0"/>
-              <a:t>Click to edit Master title style</a:t>
-            </a:r>
-            <a:endParaRPr lang="en-US" dirty="0"/>
-          </a:p>
-        </p:txBody>
-      </p:sp>
-      <p:sp>
-        <p:nvSpPr>
-          <p:cNvPr id="3" name="Vertical Text Placeholder 2"/>
-          <p:cNvSpPr>
-            <a:spLocks noGrp="1"/>
-          </p:cNvSpPr>
-          <p:nvPr>
-            <p:ph type="body" orient="vert" idx="1"/>
-          </p:nvPr>
-        </p:nvSpPr>
-        <p:spPr/>
-        <p:txBody>
-          <a:bodyPr vert="eaVert"/>
-          <a:lstStyle/>
-          <a:p>
-            <a:pPr lvl="0"/>
-            <a:r>
-              <a:rPr lang="en-US" smtClean="0"/>
-              <a:t>Click to edit Master text styles</a:t>
-            </a:r>
-          </a:p>
-          <a:p>
-            <a:pPr lvl="1"/>
-            <a:r>
-              <a:rPr lang="en-US" smtClean="0"/>
-              <a:t>Second level</a:t>
-            </a:r>
-          </a:p>
-          <a:p>
-            <a:pPr lvl="2"/>
-            <a:r>
-              <a:rPr lang="en-US" smtClean="0"/>
-              <a:t>Third level</a:t>
-            </a:r>
-          </a:p>
-          <a:p>
-            <a:pPr lvl="3"/>
-            <a:r>
-              <a:rPr lang="en-US" smtClean="0"/>
-              <a:t>Fourth level</a:t>
-            </a:r>
-          </a:p>
-          <a:p>
-            <a:pPr lvl="4"/>
-            <a:r>
-              <a:rPr lang="en-US" smtClean="0"/>
-              <a:t>Fifth level</a:t>
-            </a:r>
-            <a:endParaRPr lang="en-US" dirty="0"/>
-          </a:p>
-        </p:txBody>
-      </p:sp>
-      <p:sp>
-        <p:nvSpPr>
-          <p:cNvPr id="4" name="Date Placeholder 3"/>
-          <p:cNvSpPr>
-            <a:spLocks noGrp="1"/>
-          </p:cNvSpPr>
-          <p:nvPr>
-            <p:ph type="dt" sz="half" idx="10"/>
-          </p:nvPr>
-        </p:nvSpPr>
-        <p:spPr/>
-        <p:txBody>
-          <a:bodyPr/>
-          <a:lstStyle/>
-          <a:p>
-            <a:fld id="{29F0E712-E28A-43D1-917B-1128EC8A0BC9}" type="datetimeFigureOut">
-              <a:rPr lang="en-US" smtClean="0"/>
-              <a:t>1/2/2023</a:t>
+              <a:t>3/9/2023</a:t>
             </a:fld>
             <a:endParaRPr lang="en-US"/>
           </a:p>
@@ -2720,7 +3268,7 @@
           <a:lstStyle/>
           <a:p>
             <a:r>
-              <a:rPr lang="en-US" smtClean="0"/>
+              <a:rPr lang="en-US"/>
               <a:t>Click to edit Master title style</a:t>
             </a:r>
             <a:endParaRPr lang="en-US" dirty="0"/>
@@ -2749,59 +3297,59 @@
           <a:p>
             <a:pPr lvl="0"/>
             <a:r>
+              <a:rPr lang="en-US"/>
+              <a:t>Click to edit Master text styles</a:t>
+            </a:r>
+          </a:p>
+          <a:p>
+            <a:pPr lvl="1"/>
+            <a:r>
+              <a:rPr lang="en-US"/>
+              <a:t>Second level</a:t>
+            </a:r>
+          </a:p>
+          <a:p>
+            <a:pPr lvl="2"/>
+            <a:r>
+              <a:rPr lang="en-US"/>
+              <a:t>Third level</a:t>
+            </a:r>
+          </a:p>
+          <a:p>
+            <a:pPr lvl="3"/>
+            <a:r>
+              <a:rPr lang="en-US"/>
+              <a:t>Fourth level</a:t>
+            </a:r>
+          </a:p>
+          <a:p>
+            <a:pPr lvl="4"/>
+            <a:r>
+              <a:rPr lang="en-US"/>
+              <a:t>Fifth level</a:t>
+            </a:r>
+            <a:endParaRPr lang="en-US" dirty="0"/>
+          </a:p>
+        </p:txBody>
+      </p:sp>
+      <p:sp>
+        <p:nvSpPr>
+          <p:cNvPr id="4" name="Date Placeholder 3"/>
+          <p:cNvSpPr>
+            <a:spLocks noGrp="1"/>
+          </p:cNvSpPr>
+          <p:nvPr>
+            <p:ph type="dt" sz="half" idx="10"/>
+          </p:nvPr>
+        </p:nvSpPr>
+        <p:spPr/>
+        <p:txBody>
+          <a:bodyPr/>
+          <a:lstStyle/>
+          <a:p>
+            <a:fld id="{D3181C15-7851-4EB8-BDDB-3AFD729FEDE8}" type="datetime1">
               <a:rPr lang="en-US" smtClean="0"/>
-              <a:t>Click to edit Master text styles</a:t>
-            </a:r>
-          </a:p>
-          <a:p>
-            <a:pPr lvl="1"/>
-            <a:r>
-              <a:rPr lang="en-US" smtClean="0"/>
-              <a:t>Second level</a:t>
-            </a:r>
-          </a:p>
-          <a:p>
-            <a:pPr lvl="2"/>
-            <a:r>
-              <a:rPr lang="en-US" smtClean="0"/>
-              <a:t>Third level</a:t>
-            </a:r>
-          </a:p>
-          <a:p>
-            <a:pPr lvl="3"/>
-            <a:r>
-              <a:rPr lang="en-US" smtClean="0"/>
-              <a:t>Fourth level</a:t>
-            </a:r>
-          </a:p>
-          <a:p>
-            <a:pPr lvl="4"/>
-            <a:r>
-              <a:rPr lang="en-US" smtClean="0"/>
-              <a:t>Fifth level</a:t>
-            </a:r>
-            <a:endParaRPr lang="en-US" dirty="0"/>
-          </a:p>
-        </p:txBody>
-      </p:sp>
-      <p:sp>
-        <p:nvSpPr>
-          <p:cNvPr id="4" name="Date Placeholder 3"/>
-          <p:cNvSpPr>
-            <a:spLocks noGrp="1"/>
-          </p:cNvSpPr>
-          <p:nvPr>
-            <p:ph type="dt" sz="half" idx="10"/>
-          </p:nvPr>
-        </p:nvSpPr>
-        <p:spPr/>
-        <p:txBody>
-          <a:bodyPr/>
-          <a:lstStyle/>
-          <a:p>
-            <a:fld id="{29F0E712-E28A-43D1-917B-1128EC8A0BC9}" type="datetimeFigureOut">
-              <a:rPr lang="en-US" smtClean="0"/>
-              <a:t>1/2/2023</a:t>
+              <a:t>3/9/2023</a:t>
             </a:fld>
             <a:endParaRPr lang="en-US"/>
           </a:p>
@@ -2901,83 +3449,83 @@
           </a:lstStyle>
           <a:p>
             <a:r>
+              <a:rPr lang="en-US"/>
+              <a:t>Click to edit Master title style</a:t>
+            </a:r>
+            <a:endParaRPr lang="en-US" dirty="0"/>
+          </a:p>
+        </p:txBody>
+      </p:sp>
+      <p:sp>
+        <p:nvSpPr>
+          <p:cNvPr id="3" name="Content Placeholder 2"/>
+          <p:cNvSpPr>
+            <a:spLocks noGrp="1"/>
+          </p:cNvSpPr>
+          <p:nvPr>
+            <p:ph idx="1"/>
+          </p:nvPr>
+        </p:nvSpPr>
+        <p:spPr/>
+        <p:txBody>
+          <a:bodyPr/>
+          <a:lstStyle/>
+          <a:p>
+            <a:pPr lvl="0"/>
+            <a:r>
+              <a:rPr lang="en-US"/>
+              <a:t>Click to edit Master text styles</a:t>
+            </a:r>
+          </a:p>
+          <a:p>
+            <a:pPr lvl="1"/>
+            <a:r>
+              <a:rPr lang="en-US"/>
+              <a:t>Second level</a:t>
+            </a:r>
+          </a:p>
+          <a:p>
+            <a:pPr lvl="2"/>
+            <a:r>
+              <a:rPr lang="en-US"/>
+              <a:t>Third level</a:t>
+            </a:r>
+          </a:p>
+          <a:p>
+            <a:pPr lvl="3"/>
+            <a:r>
+              <a:rPr lang="en-US"/>
+              <a:t>Fourth level</a:t>
+            </a:r>
+          </a:p>
+          <a:p>
+            <a:pPr lvl="4"/>
+            <a:r>
+              <a:rPr lang="en-US"/>
+              <a:t>Fifth level</a:t>
+            </a:r>
+            <a:endParaRPr lang="en-US" dirty="0"/>
+          </a:p>
+        </p:txBody>
+      </p:sp>
+      <p:sp>
+        <p:nvSpPr>
+          <p:cNvPr id="4" name="Date Placeholder 3"/>
+          <p:cNvSpPr>
+            <a:spLocks noGrp="1"/>
+          </p:cNvSpPr>
+          <p:nvPr>
+            <p:ph type="dt" sz="half" idx="10"/>
+          </p:nvPr>
+        </p:nvSpPr>
+        <p:spPr/>
+        <p:txBody>
+          <a:bodyPr/>
+          <a:lstStyle/>
+          <a:p>
+            <a:fld id="{B1D28293-3719-4EF1-8F06-EC3ABC1D6DF4}" type="datetime1">
               <a:rPr lang="en-US" smtClean="0"/>
-              <a:t>Click to edit Master title style</a:t>
-            </a:r>
-            <a:endParaRPr lang="en-US" dirty="0"/>
-          </a:p>
-        </p:txBody>
-      </p:sp>
-      <p:sp>
-        <p:nvSpPr>
-          <p:cNvPr id="3" name="Content Placeholder 2"/>
-          <p:cNvSpPr>
-            <a:spLocks noGrp="1"/>
-          </p:cNvSpPr>
-          <p:nvPr>
-            <p:ph idx="1"/>
-          </p:nvPr>
-        </p:nvSpPr>
-        <p:spPr/>
-        <p:txBody>
-          <a:bodyPr/>
-          <a:lstStyle/>
-          <a:p>
-            <a:pPr lvl="0"/>
-            <a:r>
-              <a:rPr lang="en-US" smtClean="0"/>
-              <a:t>Click to edit Master text styles</a:t>
-            </a:r>
-          </a:p>
-          <a:p>
-            <a:pPr lvl="1"/>
-            <a:r>
-              <a:rPr lang="en-US" smtClean="0"/>
-              <a:t>Second level</a:t>
-            </a:r>
-          </a:p>
-          <a:p>
-            <a:pPr lvl="2"/>
-            <a:r>
-              <a:rPr lang="en-US" smtClean="0"/>
-              <a:t>Third level</a:t>
-            </a:r>
-          </a:p>
-          <a:p>
-            <a:pPr lvl="3"/>
-            <a:r>
-              <a:rPr lang="en-US" smtClean="0"/>
-              <a:t>Fourth level</a:t>
-            </a:r>
-          </a:p>
-          <a:p>
-            <a:pPr lvl="4"/>
-            <a:r>
-              <a:rPr lang="en-US" smtClean="0"/>
-              <a:t>Fifth level</a:t>
-            </a:r>
-            <a:endParaRPr lang="en-US" dirty="0"/>
-          </a:p>
-        </p:txBody>
-      </p:sp>
-      <p:sp>
-        <p:nvSpPr>
-          <p:cNvPr id="4" name="Date Placeholder 3"/>
-          <p:cNvSpPr>
-            <a:spLocks noGrp="1"/>
-          </p:cNvSpPr>
-          <p:nvPr>
-            <p:ph type="dt" sz="half" idx="10"/>
-          </p:nvPr>
-        </p:nvSpPr>
-        <p:spPr/>
-        <p:txBody>
-          <a:bodyPr/>
-          <a:lstStyle/>
-          <a:p>
-            <a:fld id="{29F0E712-E28A-43D1-917B-1128EC8A0BC9}" type="datetimeFigureOut">
-              <a:rPr lang="en-US" smtClean="0"/>
-              <a:t>1/2/2023</a:t>
+              <a:t>3/9/2023</a:t>
             </a:fld>
             <a:endParaRPr lang="en-US"/>
           </a:p>
@@ -3080,7 +3628,7 @@
           </a:lstStyle>
           <a:p>
             <a:r>
-              <a:rPr lang="en-US" smtClean="0"/>
+              <a:rPr lang="en-US"/>
               <a:t>Click to edit Master title style</a:t>
             </a:r>
             <a:endParaRPr lang="en-US" dirty="0"/>
@@ -3201,30 +3749,30 @@
           <a:p>
             <a:pPr lvl="0"/>
             <a:r>
+              <a:rPr lang="en-US"/>
+              <a:t>Click to edit Master text styles</a:t>
+            </a:r>
+          </a:p>
+        </p:txBody>
+      </p:sp>
+      <p:sp>
+        <p:nvSpPr>
+          <p:cNvPr id="4" name="Date Placeholder 3"/>
+          <p:cNvSpPr>
+            <a:spLocks noGrp="1"/>
+          </p:cNvSpPr>
+          <p:nvPr>
+            <p:ph type="dt" sz="half" idx="10"/>
+          </p:nvPr>
+        </p:nvSpPr>
+        <p:spPr/>
+        <p:txBody>
+          <a:bodyPr/>
+          <a:lstStyle/>
+          <a:p>
+            <a:fld id="{4381F2B4-0702-4A69-9C87-D866A3461C36}" type="datetime1">
               <a:rPr lang="en-US" smtClean="0"/>
-              <a:t>Click to edit Master text styles</a:t>
-            </a:r>
-          </a:p>
-        </p:txBody>
-      </p:sp>
-      <p:sp>
-        <p:nvSpPr>
-          <p:cNvPr id="4" name="Date Placeholder 3"/>
-          <p:cNvSpPr>
-            <a:spLocks noGrp="1"/>
-          </p:cNvSpPr>
-          <p:nvPr>
-            <p:ph type="dt" sz="half" idx="10"/>
-          </p:nvPr>
-        </p:nvSpPr>
-        <p:spPr/>
-        <p:txBody>
-          <a:bodyPr/>
-          <a:lstStyle/>
-          <a:p>
-            <a:fld id="{29F0E712-E28A-43D1-917B-1128EC8A0BC9}" type="datetimeFigureOut">
-              <a:rPr lang="en-US" smtClean="0"/>
-              <a:t>1/2/2023</a:t>
+              <a:t>3/9/2023</a:t>
             </a:fld>
             <a:endParaRPr lang="en-US"/>
           </a:p>
@@ -3318,7 +3866,7 @@
           <a:lstStyle/>
           <a:p>
             <a:r>
-              <a:rPr lang="en-US" smtClean="0"/>
+              <a:rPr lang="en-US"/>
               <a:t>Click to edit Master title style</a:t>
             </a:r>
             <a:endParaRPr lang="en-US" dirty="0"/>
@@ -3347,35 +3895,35 @@
           <a:p>
             <a:pPr lvl="0"/>
             <a:r>
-              <a:rPr lang="en-US" smtClean="0"/>
+              <a:rPr lang="en-US"/>
               <a:t>Click to edit Master text styles</a:t>
             </a:r>
           </a:p>
           <a:p>
             <a:pPr lvl="1"/>
             <a:r>
-              <a:rPr lang="en-US" smtClean="0"/>
+              <a:rPr lang="en-US"/>
               <a:t>Second level</a:t>
             </a:r>
           </a:p>
           <a:p>
             <a:pPr lvl="2"/>
             <a:r>
-              <a:rPr lang="en-US" smtClean="0"/>
+              <a:rPr lang="en-US"/>
               <a:t>Third level</a:t>
             </a:r>
           </a:p>
           <a:p>
             <a:pPr lvl="3"/>
             <a:r>
-              <a:rPr lang="en-US" smtClean="0"/>
+              <a:rPr lang="en-US"/>
               <a:t>Fourth level</a:t>
             </a:r>
           </a:p>
           <a:p>
             <a:pPr lvl="4"/>
             <a:r>
-              <a:rPr lang="en-US" smtClean="0"/>
+              <a:rPr lang="en-US"/>
               <a:t>Fifth level</a:t>
             </a:r>
             <a:endParaRPr lang="en-US" dirty="0"/>
@@ -3404,59 +3952,59 @@
           <a:p>
             <a:pPr lvl="0"/>
             <a:r>
+              <a:rPr lang="en-US"/>
+              <a:t>Click to edit Master text styles</a:t>
+            </a:r>
+          </a:p>
+          <a:p>
+            <a:pPr lvl="1"/>
+            <a:r>
+              <a:rPr lang="en-US"/>
+              <a:t>Second level</a:t>
+            </a:r>
+          </a:p>
+          <a:p>
+            <a:pPr lvl="2"/>
+            <a:r>
+              <a:rPr lang="en-US"/>
+              <a:t>Third level</a:t>
+            </a:r>
+          </a:p>
+          <a:p>
+            <a:pPr lvl="3"/>
+            <a:r>
+              <a:rPr lang="en-US"/>
+              <a:t>Fourth level</a:t>
+            </a:r>
+          </a:p>
+          <a:p>
+            <a:pPr lvl="4"/>
+            <a:r>
+              <a:rPr lang="en-US"/>
+              <a:t>Fifth level</a:t>
+            </a:r>
+            <a:endParaRPr lang="en-US" dirty="0"/>
+          </a:p>
+        </p:txBody>
+      </p:sp>
+      <p:sp>
+        <p:nvSpPr>
+          <p:cNvPr id="5" name="Date Placeholder 4"/>
+          <p:cNvSpPr>
+            <a:spLocks noGrp="1"/>
+          </p:cNvSpPr>
+          <p:nvPr>
+            <p:ph type="dt" sz="half" idx="10"/>
+          </p:nvPr>
+        </p:nvSpPr>
+        <p:spPr/>
+        <p:txBody>
+          <a:bodyPr/>
+          <a:lstStyle/>
+          <a:p>
+            <a:fld id="{98153676-0D6D-4810-86CF-CE0C9CAC32BB}" type="datetime1">
               <a:rPr lang="en-US" smtClean="0"/>
-              <a:t>Click to edit Master text styles</a:t>
-            </a:r>
-          </a:p>
-          <a:p>
-            <a:pPr lvl="1"/>
-            <a:r>
-              <a:rPr lang="en-US" smtClean="0"/>
-              <a:t>Second level</a:t>
-            </a:r>
-          </a:p>
-          <a:p>
-            <a:pPr lvl="2"/>
-            <a:r>
-              <a:rPr lang="en-US" smtClean="0"/>
-              <a:t>Third level</a:t>
-            </a:r>
-          </a:p>
-          <a:p>
-            <a:pPr lvl="3"/>
-            <a:r>
-              <a:rPr lang="en-US" smtClean="0"/>
-              <a:t>Fourth level</a:t>
-            </a:r>
-          </a:p>
-          <a:p>
-            <a:pPr lvl="4"/>
-            <a:r>
-              <a:rPr lang="en-US" smtClean="0"/>
-              <a:t>Fifth level</a:t>
-            </a:r>
-            <a:endParaRPr lang="en-US" dirty="0"/>
-          </a:p>
-        </p:txBody>
-      </p:sp>
-      <p:sp>
-        <p:nvSpPr>
-          <p:cNvPr id="5" name="Date Placeholder 4"/>
-          <p:cNvSpPr>
-            <a:spLocks noGrp="1"/>
-          </p:cNvSpPr>
-          <p:nvPr>
-            <p:ph type="dt" sz="half" idx="10"/>
-          </p:nvPr>
-        </p:nvSpPr>
-        <p:spPr/>
-        <p:txBody>
-          <a:bodyPr/>
-          <a:lstStyle/>
-          <a:p>
-            <a:fld id="{29F0E712-E28A-43D1-917B-1128EC8A0BC9}" type="datetimeFigureOut">
-              <a:rPr lang="en-US" smtClean="0"/>
-              <a:t>1/2/2023</a:t>
+              <a:t>3/9/2023</a:t>
             </a:fld>
             <a:endParaRPr lang="en-US"/>
           </a:p>
@@ -3554,7 +4102,7 @@
           </a:lstStyle>
           <a:p>
             <a:r>
-              <a:rPr lang="en-US" smtClean="0"/>
+              <a:rPr lang="en-US"/>
               <a:t>Click to edit Master title style</a:t>
             </a:r>
             <a:endParaRPr lang="en-US" dirty="0"/>
@@ -3622,7 +4170,7 @@
           <a:p>
             <a:pPr lvl="0"/>
             <a:r>
-              <a:rPr lang="en-US" smtClean="0"/>
+              <a:rPr lang="en-US"/>
               <a:t>Click to edit Master text styles</a:t>
             </a:r>
           </a:p>
@@ -3652,35 +4200,35 @@
           <a:p>
             <a:pPr lvl="0"/>
             <a:r>
-              <a:rPr lang="en-US" smtClean="0"/>
+              <a:rPr lang="en-US"/>
               <a:t>Click to edit Master text styles</a:t>
             </a:r>
           </a:p>
           <a:p>
             <a:pPr lvl="1"/>
             <a:r>
-              <a:rPr lang="en-US" smtClean="0"/>
+              <a:rPr lang="en-US"/>
               <a:t>Second level</a:t>
             </a:r>
           </a:p>
           <a:p>
             <a:pPr lvl="2"/>
             <a:r>
-              <a:rPr lang="en-US" smtClean="0"/>
+              <a:rPr lang="en-US"/>
               <a:t>Third level</a:t>
             </a:r>
           </a:p>
           <a:p>
             <a:pPr lvl="3"/>
             <a:r>
-              <a:rPr lang="en-US" smtClean="0"/>
+              <a:rPr lang="en-US"/>
               <a:t>Fourth level</a:t>
             </a:r>
           </a:p>
           <a:p>
             <a:pPr lvl="4"/>
             <a:r>
-              <a:rPr lang="en-US" smtClean="0"/>
+              <a:rPr lang="en-US"/>
               <a:t>Fifth level</a:t>
             </a:r>
             <a:endParaRPr lang="en-US" dirty="0"/>
@@ -3748,7 +4296,7 @@
           <a:p>
             <a:pPr lvl="0"/>
             <a:r>
-              <a:rPr lang="en-US" smtClean="0"/>
+              <a:rPr lang="en-US"/>
               <a:t>Click to edit Master text styles</a:t>
             </a:r>
           </a:p>
@@ -3778,59 +4326,59 @@
           <a:p>
             <a:pPr lvl="0"/>
             <a:r>
+              <a:rPr lang="en-US"/>
+              <a:t>Click to edit Master text styles</a:t>
+            </a:r>
+          </a:p>
+          <a:p>
+            <a:pPr lvl="1"/>
+            <a:r>
+              <a:rPr lang="en-US"/>
+              <a:t>Second level</a:t>
+            </a:r>
+          </a:p>
+          <a:p>
+            <a:pPr lvl="2"/>
+            <a:r>
+              <a:rPr lang="en-US"/>
+              <a:t>Third level</a:t>
+            </a:r>
+          </a:p>
+          <a:p>
+            <a:pPr lvl="3"/>
+            <a:r>
+              <a:rPr lang="en-US"/>
+              <a:t>Fourth level</a:t>
+            </a:r>
+          </a:p>
+          <a:p>
+            <a:pPr lvl="4"/>
+            <a:r>
+              <a:rPr lang="en-US"/>
+              <a:t>Fifth level</a:t>
+            </a:r>
+            <a:endParaRPr lang="en-US" dirty="0"/>
+          </a:p>
+        </p:txBody>
+      </p:sp>
+      <p:sp>
+        <p:nvSpPr>
+          <p:cNvPr id="7" name="Date Placeholder 6"/>
+          <p:cNvSpPr>
+            <a:spLocks noGrp="1"/>
+          </p:cNvSpPr>
+          <p:nvPr>
+            <p:ph type="dt" sz="half" idx="10"/>
+          </p:nvPr>
+        </p:nvSpPr>
+        <p:spPr/>
+        <p:txBody>
+          <a:bodyPr/>
+          <a:lstStyle/>
+          <a:p>
+            <a:fld id="{84DA81BF-3266-4485-A379-9763B4CA3B20}" type="datetime1">
               <a:rPr lang="en-US" smtClean="0"/>
-              <a:t>Click to edit Master text styles</a:t>
-            </a:r>
-          </a:p>
-          <a:p>
-            <a:pPr lvl="1"/>
-            <a:r>
-              <a:rPr lang="en-US" smtClean="0"/>
-              <a:t>Second level</a:t>
-            </a:r>
-          </a:p>
-          <a:p>
-            <a:pPr lvl="2"/>
-            <a:r>
-              <a:rPr lang="en-US" smtClean="0"/>
-              <a:t>Third level</a:t>
-            </a:r>
-          </a:p>
-          <a:p>
-            <a:pPr lvl="3"/>
-            <a:r>
-              <a:rPr lang="en-US" smtClean="0"/>
-              <a:t>Fourth level</a:t>
-            </a:r>
-          </a:p>
-          <a:p>
-            <a:pPr lvl="4"/>
-            <a:r>
-              <a:rPr lang="en-US" smtClean="0"/>
-              <a:t>Fifth level</a:t>
-            </a:r>
-            <a:endParaRPr lang="en-US" dirty="0"/>
-          </a:p>
-        </p:txBody>
-      </p:sp>
-      <p:sp>
-        <p:nvSpPr>
-          <p:cNvPr id="7" name="Date Placeholder 6"/>
-          <p:cNvSpPr>
-            <a:spLocks noGrp="1"/>
-          </p:cNvSpPr>
-          <p:nvPr>
-            <p:ph type="dt" sz="half" idx="10"/>
-          </p:nvPr>
-        </p:nvSpPr>
-        <p:spPr/>
-        <p:txBody>
-          <a:bodyPr/>
-          <a:lstStyle/>
-          <a:p>
-            <a:fld id="{29F0E712-E28A-43D1-917B-1128EC8A0BC9}" type="datetimeFigureOut">
-              <a:rPr lang="en-US" smtClean="0"/>
-              <a:t>1/2/2023</a:t>
+              <a:t>3/9/2023</a:t>
             </a:fld>
             <a:endParaRPr lang="en-US"/>
           </a:p>
@@ -3929,31 +4477,31 @@
           <a:lstStyle/>
           <a:p>
             <a:r>
+              <a:rPr lang="en-US"/>
+              <a:t>Click to edit Master title style</a:t>
+            </a:r>
+            <a:endParaRPr lang="en-US" dirty="0"/>
+          </a:p>
+        </p:txBody>
+      </p:sp>
+      <p:sp>
+        <p:nvSpPr>
+          <p:cNvPr id="3" name="Date Placeholder 2"/>
+          <p:cNvSpPr>
+            <a:spLocks noGrp="1"/>
+          </p:cNvSpPr>
+          <p:nvPr>
+            <p:ph type="dt" sz="half" idx="10"/>
+          </p:nvPr>
+        </p:nvSpPr>
+        <p:spPr/>
+        <p:txBody>
+          <a:bodyPr/>
+          <a:lstStyle/>
+          <a:p>
+            <a:fld id="{00EF5142-C412-440F-B3DC-432E708C2C56}" type="datetime1">
               <a:rPr lang="en-US" smtClean="0"/>
-              <a:t>Click to edit Master title style</a:t>
-            </a:r>
-            <a:endParaRPr lang="en-US" dirty="0"/>
-          </a:p>
-        </p:txBody>
-      </p:sp>
-      <p:sp>
-        <p:nvSpPr>
-          <p:cNvPr id="3" name="Date Placeholder 2"/>
-          <p:cNvSpPr>
-            <a:spLocks noGrp="1"/>
-          </p:cNvSpPr>
-          <p:nvPr>
-            <p:ph type="dt" sz="half" idx="10"/>
-          </p:nvPr>
-        </p:nvSpPr>
-        <p:spPr/>
-        <p:txBody>
-          <a:bodyPr/>
-          <a:lstStyle/>
-          <a:p>
-            <a:fld id="{29F0E712-E28A-43D1-917B-1128EC8A0BC9}" type="datetimeFigureOut">
-              <a:rPr lang="en-US" smtClean="0"/>
-              <a:t>1/2/2023</a:t>
+              <a:t>3/9/2023</a:t>
             </a:fld>
             <a:endParaRPr lang="en-US"/>
           </a:p>
@@ -4046,9 +4594,9 @@
           <a:bodyPr/>
           <a:lstStyle/>
           <a:p>
-            <a:fld id="{29F0E712-E28A-43D1-917B-1128EC8A0BC9}" type="datetimeFigureOut">
+            <a:fld id="{07B2383D-EEEB-4E63-B98E-50EF4EA73153}" type="datetime1">
               <a:rPr lang="en-US" smtClean="0"/>
-              <a:t>1/2/2023</a:t>
+              <a:t>3/9/2023</a:t>
             </a:fld>
             <a:endParaRPr lang="en-US"/>
           </a:p>
@@ -4153,7 +4701,7 @@
           </a:lstStyle>
           <a:p>
             <a:r>
-              <a:rPr lang="en-US" smtClean="0"/>
+              <a:rPr lang="en-US"/>
               <a:t>Click to edit Master title style</a:t>
             </a:r>
             <a:endParaRPr lang="en-US" dirty="0"/>
@@ -4184,35 +4732,35 @@
           <a:p>
             <a:pPr lvl="0"/>
             <a:r>
-              <a:rPr lang="en-US" smtClean="0"/>
+              <a:rPr lang="en-US"/>
               <a:t>Click to edit Master text styles</a:t>
             </a:r>
           </a:p>
           <a:p>
             <a:pPr lvl="1"/>
             <a:r>
-              <a:rPr lang="en-US" smtClean="0"/>
+              <a:rPr lang="en-US"/>
               <a:t>Second level</a:t>
             </a:r>
           </a:p>
           <a:p>
             <a:pPr lvl="2"/>
             <a:r>
-              <a:rPr lang="en-US" smtClean="0"/>
+              <a:rPr lang="en-US"/>
               <a:t>Third level</a:t>
             </a:r>
           </a:p>
           <a:p>
             <a:pPr lvl="3"/>
             <a:r>
-              <a:rPr lang="en-US" smtClean="0"/>
+              <a:rPr lang="en-US"/>
               <a:t>Fourth level</a:t>
             </a:r>
           </a:p>
           <a:p>
             <a:pPr lvl="4"/>
             <a:r>
-              <a:rPr lang="en-US" smtClean="0"/>
+              <a:rPr lang="en-US"/>
               <a:t>Fifth level</a:t>
             </a:r>
             <a:endParaRPr lang="en-US" dirty="0"/>
@@ -4280,30 +4828,30 @@
           <a:p>
             <a:pPr lvl="0"/>
             <a:r>
+              <a:rPr lang="en-US"/>
+              <a:t>Click to edit Master text styles</a:t>
+            </a:r>
+          </a:p>
+        </p:txBody>
+      </p:sp>
+      <p:sp>
+        <p:nvSpPr>
+          <p:cNvPr id="5" name="Date Placeholder 4"/>
+          <p:cNvSpPr>
+            <a:spLocks noGrp="1"/>
+          </p:cNvSpPr>
+          <p:nvPr>
+            <p:ph type="dt" sz="half" idx="10"/>
+          </p:nvPr>
+        </p:nvSpPr>
+        <p:spPr/>
+        <p:txBody>
+          <a:bodyPr/>
+          <a:lstStyle/>
+          <a:p>
+            <a:fld id="{B157E65D-7FDA-4FAC-BA96-16C9369A8A5C}" type="datetime1">
               <a:rPr lang="en-US" smtClean="0"/>
-              <a:t>Click to edit Master text styles</a:t>
-            </a:r>
-          </a:p>
-        </p:txBody>
-      </p:sp>
-      <p:sp>
-        <p:nvSpPr>
-          <p:cNvPr id="5" name="Date Placeholder 4"/>
-          <p:cNvSpPr>
-            <a:spLocks noGrp="1"/>
-          </p:cNvSpPr>
-          <p:nvPr>
-            <p:ph type="dt" sz="half" idx="10"/>
-          </p:nvPr>
-        </p:nvSpPr>
-        <p:spPr/>
-        <p:txBody>
-          <a:bodyPr/>
-          <a:lstStyle/>
-          <a:p>
-            <a:fld id="{29F0E712-E28A-43D1-917B-1128EC8A0BC9}" type="datetimeFigureOut">
-              <a:rPr lang="en-US" smtClean="0"/>
-              <a:t>1/2/2023</a:t>
+              <a:t>3/9/2023</a:t>
             </a:fld>
             <a:endParaRPr lang="en-US"/>
           </a:p>
@@ -4408,7 +4956,7 @@
           </a:lstStyle>
           <a:p>
             <a:r>
-              <a:rPr lang="en-US" smtClean="0"/>
+              <a:rPr lang="en-US"/>
               <a:t>Click to edit Master title style</a:t>
             </a:r>
             <a:endParaRPr lang="en-US" dirty="0"/>
@@ -4475,7 +5023,7 @@
           </a:lstStyle>
           <a:p>
             <a:r>
-              <a:rPr lang="en-US" smtClean="0"/>
+              <a:rPr lang="en-US"/>
               <a:t>Click icon to add picture</a:t>
             </a:r>
             <a:endParaRPr lang="en-US" dirty="0"/>
@@ -4543,30 +5091,30 @@
           <a:p>
             <a:pPr lvl="0"/>
             <a:r>
+              <a:rPr lang="en-US"/>
+              <a:t>Click to edit Master text styles</a:t>
+            </a:r>
+          </a:p>
+        </p:txBody>
+      </p:sp>
+      <p:sp>
+        <p:nvSpPr>
+          <p:cNvPr id="5" name="Date Placeholder 4"/>
+          <p:cNvSpPr>
+            <a:spLocks noGrp="1"/>
+          </p:cNvSpPr>
+          <p:nvPr>
+            <p:ph type="dt" sz="half" idx="10"/>
+          </p:nvPr>
+        </p:nvSpPr>
+        <p:spPr/>
+        <p:txBody>
+          <a:bodyPr/>
+          <a:lstStyle/>
+          <a:p>
+            <a:fld id="{3839F82F-77EC-4A10-8F80-937B6C113F65}" type="datetime1">
               <a:rPr lang="en-US" smtClean="0"/>
-              <a:t>Click to edit Master text styles</a:t>
-            </a:r>
-          </a:p>
-        </p:txBody>
-      </p:sp>
-      <p:sp>
-        <p:nvSpPr>
-          <p:cNvPr id="5" name="Date Placeholder 4"/>
-          <p:cNvSpPr>
-            <a:spLocks noGrp="1"/>
-          </p:cNvSpPr>
-          <p:nvPr>
-            <p:ph type="dt" sz="half" idx="10"/>
-          </p:nvPr>
-        </p:nvSpPr>
-        <p:spPr/>
-        <p:txBody>
-          <a:bodyPr/>
-          <a:lstStyle/>
-          <a:p>
-            <a:fld id="{29F0E712-E28A-43D1-917B-1128EC8A0BC9}" type="datetimeFigureOut">
-              <a:rPr lang="en-US" smtClean="0"/>
-              <a:t>1/2/2023</a:t>
+              <a:t>3/9/2023</a:t>
             </a:fld>
             <a:endParaRPr lang="en-US"/>
           </a:p>
@@ -5205,7 +5753,7 @@
           <a:lstStyle/>
           <a:p>
             <a:r>
-              <a:rPr lang="en-US" smtClean="0"/>
+              <a:rPr lang="en-US"/>
               <a:t>Click to edit Master title style</a:t>
             </a:r>
             <a:endParaRPr lang="en-US" dirty="0"/>
@@ -5239,35 +5787,35 @@
           <a:p>
             <a:pPr lvl="0"/>
             <a:r>
-              <a:rPr lang="en-US" smtClean="0"/>
+              <a:rPr lang="en-US"/>
               <a:t>Click to edit Master text styles</a:t>
             </a:r>
           </a:p>
           <a:p>
             <a:pPr lvl="1"/>
             <a:r>
-              <a:rPr lang="en-US" smtClean="0"/>
+              <a:rPr lang="en-US"/>
               <a:t>Second level</a:t>
             </a:r>
           </a:p>
           <a:p>
             <a:pPr lvl="2"/>
             <a:r>
-              <a:rPr lang="en-US" smtClean="0"/>
+              <a:rPr lang="en-US"/>
               <a:t>Third level</a:t>
             </a:r>
           </a:p>
           <a:p>
             <a:pPr lvl="3"/>
             <a:r>
-              <a:rPr lang="en-US" smtClean="0"/>
+              <a:rPr lang="en-US"/>
               <a:t>Fourth level</a:t>
             </a:r>
           </a:p>
           <a:p>
             <a:pPr lvl="4"/>
             <a:r>
-              <a:rPr lang="en-US" smtClean="0"/>
+              <a:rPr lang="en-US"/>
               <a:t>Fifth level</a:t>
             </a:r>
             <a:endParaRPr lang="en-US" dirty="0"/>
@@ -5307,9 +5855,9 @@
             </a:lvl1pPr>
           </a:lstStyle>
           <a:p>
-            <a:fld id="{29F0E712-E28A-43D1-917B-1128EC8A0BC9}" type="datetimeFigureOut">
+            <a:fld id="{134780C9-83BB-4CBC-887C-3662A1684F21}" type="datetime1">
               <a:rPr lang="en-US" smtClean="0"/>
-              <a:t>1/2/2023</a:t>
+              <a:t>3/9/2023</a:t>
             </a:fld>
             <a:endParaRPr lang="en-US"/>
           </a:p>
@@ -5417,6 +5965,7 @@
     <p:sldLayoutId id="2147483675" r:id="rId15"/>
     <p:sldLayoutId id="2147483676" r:id="rId16"/>
   </p:sldLayoutIdLst>
+  <p:hf hdr="0" ftr="0" dt="0"/>
   <p:txStyles>
     <p:titleStyle>
       <a:lvl1pPr algn="l" defTabSz="457200" rtl="0" eaLnBrk="1" latinLnBrk="0" hangingPunct="1">
@@ -5854,7 +6403,7 @@
           <a:lstStyle/>
           <a:p>
             <a:r>
-              <a:rPr lang="en-US" dirty="0" smtClean="0">
+              <a:rPr lang="en-US" dirty="0">
                 <a:solidFill>
                   <a:schemeClr val="tx1"/>
                 </a:solidFill>
@@ -5863,13 +6412,6 @@
               </a:rPr>
               <a:t>Scissors, Paper Rock Game</a:t>
             </a:r>
-            <a:endParaRPr lang="en-US" dirty="0">
-              <a:solidFill>
-                <a:schemeClr val="tx1"/>
-              </a:solidFill>
-              <a:latin typeface="Times New Roman" panose="02020603050405020304" pitchFamily="18" charset="0"/>
-              <a:cs typeface="Times New Roman" panose="02020603050405020304" pitchFamily="18" charset="0"/>
-            </a:endParaRPr>
           </a:p>
         </p:txBody>
       </p:sp>
@@ -5896,14 +6438,51 @@
           <a:lstStyle/>
           <a:p>
             <a:r>
-              <a:rPr lang="en-US" dirty="0" smtClean="0"/>
+              <a:rPr lang="en-US" dirty="0"/>
               <a:t>By: Atullya </a:t>
             </a:r>
             <a:r>
-              <a:rPr lang="en-US" dirty="0" err="1" smtClean="0"/>
+              <a:rPr lang="en-US" dirty="0" err="1"/>
               <a:t>Maharjan</a:t>
             </a:r>
             <a:endParaRPr lang="en-US" dirty="0"/>
+          </a:p>
+        </p:txBody>
+      </p:sp>
+      <p:sp>
+        <p:nvSpPr>
+          <p:cNvPr id="3" name="Slide Number Placeholder 2">
+            <a:extLst>
+              <a:ext uri="{FF2B5EF4-FFF2-40B4-BE49-F238E27FC236}">
+                <a16:creationId xmlns:a16="http://schemas.microsoft.com/office/drawing/2014/main" xmlns="" id="{8590BC55-8394-90D2-47A3-7A6B0288AB3E}"/>
+              </a:ext>
+            </a:extLst>
+          </p:cNvPr>
+          <p:cNvSpPr>
+            <a:spLocks noGrp="1"/>
+          </p:cNvSpPr>
+          <p:nvPr>
+            <p:ph type="sldNum" sz="quarter" idx="12"/>
+          </p:nvPr>
+        </p:nvSpPr>
+        <p:spPr/>
+        <p:txBody>
+          <a:bodyPr/>
+          <a:lstStyle/>
+          <a:p>
+            <a:fld id="{A6375705-3D42-424D-8D85-17CC5C83F114}" type="slidenum">
+              <a:rPr lang="en-US" b="1" smtClean="0">
+                <a:solidFill>
+                  <a:schemeClr val="tx1"/>
+                </a:solidFill>
+              </a:rPr>
+              <a:t>1</a:t>
+            </a:fld>
+            <a:endParaRPr lang="en-US" b="1" dirty="0">
+              <a:solidFill>
+                <a:schemeClr val="tx1"/>
+              </a:solidFill>
+            </a:endParaRPr>
           </a:p>
         </p:txBody>
       </p:sp>
@@ -5911,60 +6490,6 @@
     <p:extLst>
       <p:ext uri="{BB962C8B-B14F-4D97-AF65-F5344CB8AC3E}">
         <p14:creationId xmlns:p14="http://schemas.microsoft.com/office/powerpoint/2010/main" val="3919387"/>
-      </p:ext>
-    </p:extLst>
-  </p:cSld>
-  <p:clrMapOvr>
-    <a:masterClrMapping/>
-  </p:clrMapOvr>
-</p:sld>
-</file>
-
-<file path=ppt/slides/slide10.xml><?xml version="1.0" encoding="utf-8"?>
-<p:sld xmlns:a="http://schemas.openxmlformats.org/drawingml/2006/main" xmlns:r="http://schemas.openxmlformats.org/officeDocument/2006/relationships" xmlns:p="http://schemas.openxmlformats.org/presentationml/2006/main">
-  <p:cSld>
-    <p:spTree>
-      <p:nvGrpSpPr>
-        <p:cNvPr id="1" name=""/>
-        <p:cNvGrpSpPr/>
-        <p:nvPr/>
-      </p:nvGrpSpPr>
-      <p:grpSpPr>
-        <a:xfrm>
-          <a:off x="0" y="0"/>
-          <a:ext cx="0" cy="0"/>
-          <a:chOff x="0" y="0"/>
-          <a:chExt cx="0" cy="0"/>
-        </a:xfrm>
-      </p:grpSpPr>
-      <p:pic>
-        <p:nvPicPr>
-          <p:cNvPr id="2" name="Picture 1"/>
-          <p:cNvPicPr>
-            <a:picLocks noChangeAspect="1"/>
-          </p:cNvPicPr>
-          <p:nvPr/>
-        </p:nvPicPr>
-        <p:blipFill>
-          <a:blip r:embed="rId2"/>
-          <a:stretch>
-            <a:fillRect/>
-          </a:stretch>
-        </p:blipFill>
-        <p:spPr>
-          <a:xfrm>
-            <a:off x="2668044" y="1766170"/>
-            <a:ext cx="6801633" cy="2642992"/>
-          </a:xfrm>
-          <a:prstGeom prst="rect">
-            <a:avLst/>
-          </a:prstGeom>
-        </p:spPr>
-      </p:pic>
-    </p:spTree>
-    <p:extLst>
-      <p:ext uri="{BB962C8B-B14F-4D97-AF65-F5344CB8AC3E}">
-        <p14:creationId xmlns:p14="http://schemas.microsoft.com/office/powerpoint/2010/main" val="2843790099"/>
       </p:ext>
     </p:extLst>
   </p:cSld>
@@ -6015,7 +6540,7 @@
           <a:p>
             <a:pPr algn="ctr"/>
             <a:r>
-              <a:rPr lang="en-US" sz="3200" b="1" dirty="0" smtClean="0">
+              <a:rPr lang="en-US" sz="3200" b="1" dirty="0">
                 <a:latin typeface="Times New Roman" panose="02020603050405020304" pitchFamily="18" charset="0"/>
                 <a:cs typeface="Times New Roman" panose="02020603050405020304" pitchFamily="18" charset="0"/>
               </a:rPr>
@@ -6059,8 +6584,8 @@
         </p:nvSpPr>
         <p:spPr>
           <a:xfrm>
-            <a:off x="751562" y="1665963"/>
-            <a:ext cx="10384076" cy="4939814"/>
+            <a:off x="651353" y="1427968"/>
+            <a:ext cx="10384076" cy="5678478"/>
           </a:xfrm>
           <a:prstGeom prst="rect">
             <a:avLst/>
@@ -6073,29 +6598,43 @@
           </a:bodyPr>
           <a:lstStyle/>
           <a:p>
-            <a:endParaRPr lang="en-US" sz="2100" dirty="0" smtClean="0">
+            <a:endParaRPr lang="en-US" sz="2100" dirty="0">
               <a:latin typeface="Times New Roman" panose="02020603050405020304" pitchFamily="18" charset="0"/>
               <a:cs typeface="Times New Roman" panose="02020603050405020304" pitchFamily="18" charset="0"/>
             </a:endParaRPr>
           </a:p>
           <a:p>
             <a:r>
-              <a:rPr lang="en-US" sz="2100" dirty="0" smtClean="0">
+              <a:rPr lang="en-US" sz="2100" dirty="0">
                 <a:latin typeface="Times New Roman" panose="02020603050405020304" pitchFamily="18" charset="0"/>
                 <a:cs typeface="Times New Roman" panose="02020603050405020304" pitchFamily="18" charset="0"/>
               </a:rPr>
-              <a:t>Scissor Paper Rock (also known as Rock Paper Scissors) is a two-player game where each player simultaneously chooses one of three possible hand shapes (scissors, paper, or rock). The players' choices are then compared, and the winner is determined based on the following rules: </a:t>
-            </a:r>
-          </a:p>
-          <a:p>
-            <a:endParaRPr lang="en-US" sz="2100" dirty="0" smtClean="0">
+              <a:t>Scissor Paper Rock (also known as Rock Paper Scissors) is a two-player game where each player simultaneously chooses one of three possible hand shapes (scissors, paper, or rock). Rock paper scissors is often used as a fair choosing method between two people, similar to coin </a:t>
+            </a:r>
+            <a:r>
+              <a:rPr lang="en-US" sz="2100" dirty="0" err="1">
+                <a:latin typeface="Times New Roman" panose="02020603050405020304" pitchFamily="18" charset="0"/>
+                <a:cs typeface="Times New Roman" panose="02020603050405020304" pitchFamily="18" charset="0"/>
+              </a:rPr>
+              <a:t>flipping.The</a:t>
+            </a:r>
+            <a:r>
+              <a:rPr lang="en-US" sz="2100" dirty="0">
+                <a:latin typeface="Times New Roman" panose="02020603050405020304" pitchFamily="18" charset="0"/>
+                <a:cs typeface="Times New Roman" panose="02020603050405020304" pitchFamily="18" charset="0"/>
+              </a:rPr>
+              <a:t> players' choices are then compared, and the winner is determined based on the following rules: </a:t>
+            </a:r>
+          </a:p>
+          <a:p>
+            <a:endParaRPr lang="en-US" sz="2100" dirty="0">
               <a:latin typeface="Times New Roman" panose="02020603050405020304" pitchFamily="18" charset="0"/>
               <a:cs typeface="Times New Roman" panose="02020603050405020304" pitchFamily="18" charset="0"/>
             </a:endParaRPr>
           </a:p>
           <a:p>
             <a:r>
-              <a:rPr lang="en-US" sz="2100" dirty="0" smtClean="0">
+              <a:rPr lang="en-US" sz="2100" dirty="0">
                 <a:latin typeface="Times New Roman" panose="02020603050405020304" pitchFamily="18" charset="0"/>
                 <a:cs typeface="Times New Roman" panose="02020603050405020304" pitchFamily="18" charset="0"/>
               </a:rPr>
@@ -6104,7 +6643,7 @@
           </a:p>
           <a:p>
             <a:r>
-              <a:rPr lang="en-US" sz="2100" dirty="0" smtClean="0">
+              <a:rPr lang="en-US" sz="2100" dirty="0">
                 <a:latin typeface="Times New Roman" panose="02020603050405020304" pitchFamily="18" charset="0"/>
                 <a:cs typeface="Times New Roman" panose="02020603050405020304" pitchFamily="18" charset="0"/>
               </a:rPr>
@@ -6113,7 +6652,7 @@
           </a:p>
           <a:p>
             <a:r>
-              <a:rPr lang="en-US" sz="2100" dirty="0" smtClean="0">
+              <a:rPr lang="en-US" sz="2100" dirty="0">
                 <a:latin typeface="Times New Roman" panose="02020603050405020304" pitchFamily="18" charset="0"/>
                 <a:cs typeface="Times New Roman" panose="02020603050405020304" pitchFamily="18" charset="0"/>
               </a:rPr>
@@ -6121,14 +6660,14 @@
             </a:r>
           </a:p>
           <a:p>
-            <a:endParaRPr lang="en-US" sz="2100" dirty="0" smtClean="0">
+            <a:endParaRPr lang="en-US" sz="2100" dirty="0">
               <a:latin typeface="Times New Roman" panose="02020603050405020304" pitchFamily="18" charset="0"/>
               <a:cs typeface="Times New Roman" panose="02020603050405020304" pitchFamily="18" charset="0"/>
             </a:endParaRPr>
           </a:p>
           <a:p>
             <a:r>
-              <a:rPr lang="en-US" sz="2100" dirty="0" smtClean="0">
+              <a:rPr lang="en-US" sz="2100" dirty="0">
                 <a:latin typeface="Times New Roman" panose="02020603050405020304" pitchFamily="18" charset="0"/>
                 <a:cs typeface="Times New Roman" panose="02020603050405020304" pitchFamily="18" charset="0"/>
               </a:rPr>
@@ -6142,7 +6681,7 @@
             </a:endParaRPr>
           </a:p>
           <a:p>
-            <a:endParaRPr lang="en-US" sz="2100" dirty="0" smtClean="0">
+            <a:endParaRPr lang="en-US" sz="2100" dirty="0">
               <a:latin typeface="Times New Roman" panose="02020603050405020304" pitchFamily="18" charset="0"/>
               <a:cs typeface="Times New Roman" panose="02020603050405020304" pitchFamily="18" charset="0"/>
             </a:endParaRPr>
@@ -6151,6 +6690,43 @@
             <a:endParaRPr lang="en-US" sz="2100" dirty="0">
               <a:latin typeface="Times New Roman" panose="02020603050405020304" pitchFamily="18" charset="0"/>
               <a:cs typeface="Times New Roman" panose="02020603050405020304" pitchFamily="18" charset="0"/>
+            </a:endParaRPr>
+          </a:p>
+        </p:txBody>
+      </p:sp>
+      <p:sp>
+        <p:nvSpPr>
+          <p:cNvPr id="4" name="Slide Number Placeholder 3">
+            <a:extLst>
+              <a:ext uri="{FF2B5EF4-FFF2-40B4-BE49-F238E27FC236}">
+                <a16:creationId xmlns:a16="http://schemas.microsoft.com/office/drawing/2014/main" xmlns="" id="{68BB580A-E1D1-1408-EADF-0B2B5AE8E52D}"/>
+              </a:ext>
+            </a:extLst>
+          </p:cNvPr>
+          <p:cNvSpPr>
+            <a:spLocks noGrp="1"/>
+          </p:cNvSpPr>
+          <p:nvPr>
+            <p:ph type="sldNum" sz="quarter" idx="12"/>
+          </p:nvPr>
+        </p:nvSpPr>
+        <p:spPr/>
+        <p:txBody>
+          <a:bodyPr/>
+          <a:lstStyle/>
+          <a:p>
+            <a:fld id="{A6375705-3D42-424D-8D85-17CC5C83F114}" type="slidenum">
+              <a:rPr lang="en-US" smtClean="0">
+                <a:solidFill>
+                  <a:schemeClr val="tx1"/>
+                </a:solidFill>
+              </a:rPr>
+              <a:t>2</a:t>
+            </a:fld>
+            <a:endParaRPr lang="en-US" dirty="0">
+              <a:solidFill>
+                <a:schemeClr val="tx1"/>
+              </a:solidFill>
             </a:endParaRPr>
           </a:p>
         </p:txBody>
@@ -6209,7 +6785,7 @@
           <a:p>
             <a:pPr algn="ctr"/>
             <a:r>
-              <a:rPr lang="en-US" sz="3200" dirty="0" smtClean="0">
+              <a:rPr lang="en-US" sz="3200" dirty="0">
                 <a:latin typeface="Times New Roman" panose="02020603050405020304" pitchFamily="18" charset="0"/>
                 <a:cs typeface="Times New Roman" panose="02020603050405020304" pitchFamily="18" charset="0"/>
               </a:rPr>
@@ -6251,7 +6827,7 @@
               <a:buAutoNum type="arabicPeriod"/>
             </a:pPr>
             <a:r>
-              <a:rPr lang="en-US" sz="2800" dirty="0" smtClean="0">
+              <a:rPr lang="en-US" sz="2800" dirty="0">
                 <a:latin typeface="Times New Roman" panose="02020603050405020304" pitchFamily="18" charset="0"/>
                 <a:cs typeface="Times New Roman" panose="02020603050405020304" pitchFamily="18" charset="0"/>
               </a:rPr>
@@ -6263,7 +6839,7 @@
               <a:buAutoNum type="arabicPeriod" startAt="2"/>
             </a:pPr>
             <a:r>
-              <a:rPr lang="en-US" sz="2800" dirty="0" smtClean="0">
+              <a:rPr lang="en-US" sz="2800" dirty="0">
                 <a:latin typeface="Times New Roman" panose="02020603050405020304" pitchFamily="18" charset="0"/>
                 <a:cs typeface="Times New Roman" panose="02020603050405020304" pitchFamily="18" charset="0"/>
               </a:rPr>
@@ -6275,31 +6851,57 @@
               <a:buAutoNum type="arabicPeriod" startAt="2"/>
             </a:pPr>
             <a:r>
-              <a:rPr lang="en-US" sz="2800" dirty="0" smtClean="0">
-                <a:latin typeface="Times New Roman" panose="02020603050405020304" pitchFamily="18" charset="0"/>
-                <a:cs typeface="Times New Roman" panose="02020603050405020304" pitchFamily="18" charset="0"/>
-              </a:rPr>
-              <a:t>To </a:t>
-            </a:r>
-            <a:r>
               <a:rPr lang="en-US" sz="2800" dirty="0">
                 <a:latin typeface="Times New Roman" panose="02020603050405020304" pitchFamily="18" charset="0"/>
                 <a:cs typeface="Times New Roman" panose="02020603050405020304" pitchFamily="18" charset="0"/>
               </a:rPr>
-              <a:t>create a fun and engaging game that requires minimal user input and produces a random outcome. </a:t>
-            </a:r>
-            <a:endParaRPr lang="en-US" sz="2800" dirty="0" smtClean="0">
+              <a:t>To create a fun and engaging game that requires minimal user input and produces a random outcome. </a:t>
+            </a:r>
+          </a:p>
+          <a:p>
+            <a:pPr marL="342900" indent="-342900">
+              <a:buAutoNum type="arabicPeriod" startAt="2"/>
+            </a:pPr>
+            <a:endParaRPr lang="en-US" sz="2800" dirty="0">
               <a:latin typeface="Times New Roman" panose="02020603050405020304" pitchFamily="18" charset="0"/>
               <a:cs typeface="Times New Roman" panose="02020603050405020304" pitchFamily="18" charset="0"/>
             </a:endParaRPr>
           </a:p>
-          <a:p>
-            <a:pPr marL="342900" indent="-342900">
-              <a:buAutoNum type="arabicPeriod" startAt="2"/>
-            </a:pPr>
-            <a:endParaRPr lang="en-US" sz="2800" dirty="0" smtClean="0">
-              <a:latin typeface="Times New Roman" panose="02020603050405020304" pitchFamily="18" charset="0"/>
-              <a:cs typeface="Times New Roman" panose="02020603050405020304" pitchFamily="18" charset="0"/>
+        </p:txBody>
+      </p:sp>
+      <p:sp>
+        <p:nvSpPr>
+          <p:cNvPr id="2" name="Slide Number Placeholder 1">
+            <a:extLst>
+              <a:ext uri="{FF2B5EF4-FFF2-40B4-BE49-F238E27FC236}">
+                <a16:creationId xmlns:a16="http://schemas.microsoft.com/office/drawing/2014/main" xmlns="" id="{A25BCA6A-AEBC-D5F3-1451-1298CC78FE99}"/>
+              </a:ext>
+            </a:extLst>
+          </p:cNvPr>
+          <p:cNvSpPr>
+            <a:spLocks noGrp="1"/>
+          </p:cNvSpPr>
+          <p:nvPr>
+            <p:ph type="sldNum" sz="quarter" idx="12"/>
+          </p:nvPr>
+        </p:nvSpPr>
+        <p:spPr/>
+        <p:txBody>
+          <a:bodyPr/>
+          <a:lstStyle/>
+          <a:p>
+            <a:fld id="{A6375705-3D42-424D-8D85-17CC5C83F114}" type="slidenum">
+              <a:rPr lang="en-US" smtClean="0">
+                <a:solidFill>
+                  <a:schemeClr val="tx1"/>
+                </a:solidFill>
+              </a:rPr>
+              <a:t>3</a:t>
+            </a:fld>
+            <a:endParaRPr lang="en-US" dirty="0">
+              <a:solidFill>
+                <a:schemeClr val="tx1"/>
+              </a:solidFill>
             </a:endParaRPr>
           </a:p>
         </p:txBody>
@@ -6342,8 +6944,8 @@
         </p:nvSpPr>
         <p:spPr>
           <a:xfrm>
-            <a:off x="1415441" y="526093"/>
-            <a:ext cx="9206630" cy="523220"/>
+            <a:off x="1753644" y="551145"/>
+            <a:ext cx="7628351" cy="584775"/>
           </a:xfrm>
           <a:prstGeom prst="rect">
             <a:avLst/>
@@ -6358,16 +6960,12 @@
           <a:p>
             <a:pPr algn="ctr"/>
             <a:r>
-              <a:rPr lang="en-US" sz="2800" b="1" dirty="0" smtClean="0">
+              <a:rPr lang="en-US" sz="3200" b="1" dirty="0">
                 <a:latin typeface="Times New Roman" panose="02020603050405020304" pitchFamily="18" charset="0"/>
                 <a:cs typeface="Times New Roman" panose="02020603050405020304" pitchFamily="18" charset="0"/>
               </a:rPr>
-              <a:t>Key Feature of the game are as follows:</a:t>
-            </a:r>
-            <a:endParaRPr lang="en-US" sz="2800" b="1" dirty="0">
-              <a:latin typeface="Times New Roman" panose="02020603050405020304" pitchFamily="18" charset="0"/>
-              <a:cs typeface="Times New Roman" panose="02020603050405020304" pitchFamily="18" charset="0"/>
-            </a:endParaRPr>
+              <a:t>Tools Used</a:t>
+            </a:r>
           </a:p>
         </p:txBody>
       </p:sp>
@@ -6379,8 +6977,8 @@
         </p:nvSpPr>
         <p:spPr>
           <a:xfrm>
-            <a:off x="713984" y="1515649"/>
-            <a:ext cx="9908087" cy="2308324"/>
+            <a:off x="1427967" y="1415441"/>
+            <a:ext cx="8379912" cy="4493538"/>
           </a:xfrm>
           <a:prstGeom prst="rect">
             <a:avLst/>
@@ -6393,77 +6991,147 @@
           </a:bodyPr>
           <a:lstStyle/>
           <a:p>
-            <a:pPr algn="just"/>
-            <a:r>
-              <a:rPr lang="en-US" sz="2400" dirty="0" smtClean="0">
+            <a:pPr marL="285750" indent="-285750">
+              <a:buFont typeface="Arial" panose="020B0604020202020204" pitchFamily="34" charset="0"/>
+              <a:buChar char="•"/>
+            </a:pPr>
+            <a:r>
+              <a:rPr lang="en-US" sz="2200" dirty="0">
                 <a:latin typeface="Times New Roman" panose="02020603050405020304" pitchFamily="18" charset="0"/>
                 <a:cs typeface="Times New Roman" panose="02020603050405020304" pitchFamily="18" charset="0"/>
               </a:rPr>
-              <a:t>1</a:t>
-            </a:r>
-            <a:r>
-              <a:rPr lang="en-US" sz="2400" dirty="0">
+              <a:t>Integrated Development Environment (IDE): An IDE like Visual Studio, Code::</a:t>
+            </a:r>
+            <a:r>
+              <a:rPr lang="en-US" sz="2200" dirty="0" err="1">
                 <a:latin typeface="Times New Roman" panose="02020603050405020304" pitchFamily="18" charset="0"/>
                 <a:cs typeface="Times New Roman" panose="02020603050405020304" pitchFamily="18" charset="0"/>
               </a:rPr>
-              <a:t>. Input: The game requires user input from the player to choose either scissor, paper, or rock. </a:t>
-            </a:r>
-            <a:endParaRPr lang="en-US" sz="2400" dirty="0" smtClean="0">
+              <a:t>Blocks,can</a:t>
+            </a:r>
+            <a:r>
+              <a:rPr lang="en-US" sz="2200" dirty="0">
+                <a:latin typeface="Times New Roman" panose="02020603050405020304" pitchFamily="18" charset="0"/>
+                <a:cs typeface="Times New Roman" panose="02020603050405020304" pitchFamily="18" charset="0"/>
+              </a:rPr>
+              <a:t> be used to write and compile C++ code for the game.</a:t>
+            </a:r>
+          </a:p>
+          <a:p>
+            <a:pPr marL="285750" indent="-285750">
+              <a:buFont typeface="Arial" panose="020B0604020202020204" pitchFamily="34" charset="0"/>
+              <a:buChar char="•"/>
+            </a:pPr>
+            <a:r>
+              <a:rPr lang="en-US" sz="2200" dirty="0">
+                <a:latin typeface="Times New Roman" panose="02020603050405020304" pitchFamily="18" charset="0"/>
+                <a:cs typeface="Times New Roman" panose="02020603050405020304" pitchFamily="18" charset="0"/>
+              </a:rPr>
+              <a:t>C++ Standard Template Library (STL): The STL provides a set of useful data structures and algorithms that can be used to implement the game logic, such as arrays or vectors to store the possible moves, and </a:t>
+            </a:r>
+            <a:r>
+              <a:rPr lang="en-US" sz="2200" dirty="0" err="1">
+                <a:latin typeface="Times New Roman" panose="02020603050405020304" pitchFamily="18" charset="0"/>
+                <a:cs typeface="Times New Roman" panose="02020603050405020304" pitchFamily="18" charset="0"/>
+              </a:rPr>
+              <a:t>random_shuffle</a:t>
+            </a:r>
+            <a:r>
+              <a:rPr lang="en-US" sz="2200" dirty="0">
+                <a:latin typeface="Times New Roman" panose="02020603050405020304" pitchFamily="18" charset="0"/>
+                <a:cs typeface="Times New Roman" panose="02020603050405020304" pitchFamily="18" charset="0"/>
+              </a:rPr>
+              <a:t>() to randomize the moves.</a:t>
+            </a:r>
+          </a:p>
+          <a:p>
+            <a:pPr marL="285750" indent="-285750">
+              <a:buFont typeface="Arial" panose="020B0604020202020204" pitchFamily="34" charset="0"/>
+              <a:buChar char="•"/>
+            </a:pPr>
+            <a:r>
+              <a:rPr lang="en-US" sz="2200" dirty="0">
+                <a:latin typeface="Times New Roman" panose="02020603050405020304" pitchFamily="18" charset="0"/>
+                <a:cs typeface="Times New Roman" panose="02020603050405020304" pitchFamily="18" charset="0"/>
+              </a:rPr>
+              <a:t>Conditional statements and loops: C++ has if-else statements that can be used to determine the winner based on the two players' moves and loops to ask user to play again after each round.</a:t>
+            </a:r>
+          </a:p>
+          <a:p>
+            <a:pPr marL="285750" indent="-285750">
+              <a:buFont typeface="Arial" panose="020B0604020202020204" pitchFamily="34" charset="0"/>
+              <a:buChar char="•"/>
+            </a:pPr>
+            <a:r>
+              <a:rPr lang="en-US" sz="2200" dirty="0" smtClean="0">
+                <a:latin typeface="Times New Roman" panose="02020603050405020304" pitchFamily="18" charset="0"/>
+                <a:cs typeface="Times New Roman" panose="02020603050405020304" pitchFamily="18" charset="0"/>
+              </a:rPr>
+              <a:t>ASCII </a:t>
+            </a:r>
+            <a:r>
+              <a:rPr lang="en-US" sz="2200" dirty="0">
+                <a:latin typeface="Times New Roman" panose="02020603050405020304" pitchFamily="18" charset="0"/>
+                <a:cs typeface="Times New Roman" panose="02020603050405020304" pitchFamily="18" charset="0"/>
+              </a:rPr>
+              <a:t>art generator to create art of scissor paper and rock. </a:t>
+            </a:r>
+          </a:p>
+          <a:p>
+            <a:endParaRPr lang="en-US" sz="2200" dirty="0">
               <a:latin typeface="Times New Roman" panose="02020603050405020304" pitchFamily="18" charset="0"/>
               <a:cs typeface="Times New Roman" panose="02020603050405020304" pitchFamily="18" charset="0"/>
             </a:endParaRPr>
           </a:p>
           <a:p>
-            <a:pPr algn="just"/>
-            <a:r>
-              <a:rPr lang="en-US" sz="2400" dirty="0" smtClean="0">
-                <a:latin typeface="Times New Roman" panose="02020603050405020304" pitchFamily="18" charset="0"/>
-                <a:cs typeface="Times New Roman" panose="02020603050405020304" pitchFamily="18" charset="0"/>
-              </a:rPr>
-              <a:t>2</a:t>
-            </a:r>
-            <a:r>
-              <a:rPr lang="en-US" sz="2400" dirty="0">
-                <a:latin typeface="Times New Roman" panose="02020603050405020304" pitchFamily="18" charset="0"/>
-                <a:cs typeface="Times New Roman" panose="02020603050405020304" pitchFamily="18" charset="0"/>
-              </a:rPr>
-              <a:t>. Randomization: The computer needs to generate a random number and assign it either scissor, paper, or rock. </a:t>
-            </a:r>
-            <a:endParaRPr lang="en-US" sz="2400" dirty="0" smtClean="0">
+            <a:endParaRPr lang="en-US" sz="2200" dirty="0">
               <a:latin typeface="Times New Roman" panose="02020603050405020304" pitchFamily="18" charset="0"/>
               <a:cs typeface="Times New Roman" panose="02020603050405020304" pitchFamily="18" charset="0"/>
             </a:endParaRPr>
           </a:p>
-          <a:p>
-            <a:pPr algn="just"/>
-            <a:r>
-              <a:rPr lang="en-US" sz="2400" dirty="0" smtClean="0">
-                <a:latin typeface="Times New Roman" panose="02020603050405020304" pitchFamily="18" charset="0"/>
-                <a:cs typeface="Times New Roman" panose="02020603050405020304" pitchFamily="18" charset="0"/>
+        </p:txBody>
+      </p:sp>
+      <p:sp>
+        <p:nvSpPr>
+          <p:cNvPr id="4" name="Slide Number Placeholder 3">
+            <a:extLst>
+              <a:ext uri="{FF2B5EF4-FFF2-40B4-BE49-F238E27FC236}">
+                <a16:creationId xmlns:a16="http://schemas.microsoft.com/office/drawing/2014/main" xmlns="" id="{973D02EA-86F2-30DB-9CD6-6941E6DAA8F5}"/>
+              </a:ext>
+            </a:extLst>
+          </p:cNvPr>
+          <p:cNvSpPr>
+            <a:spLocks noGrp="1"/>
+          </p:cNvSpPr>
+          <p:nvPr>
+            <p:ph type="sldNum" sz="quarter" idx="12"/>
+          </p:nvPr>
+        </p:nvSpPr>
+        <p:spPr/>
+        <p:txBody>
+          <a:bodyPr/>
+          <a:lstStyle/>
+          <a:p>
+            <a:fld id="{A6375705-3D42-424D-8D85-17CC5C83F114}" type="slidenum">
+              <a:rPr lang="en-US" smtClean="0">
+                <a:solidFill>
+                  <a:schemeClr val="tx1"/>
+                </a:solidFill>
               </a:rPr>
-              <a:t>3</a:t>
-            </a:r>
-            <a:r>
-              <a:rPr lang="en-US" sz="2400" dirty="0">
-                <a:latin typeface="Times New Roman" panose="02020603050405020304" pitchFamily="18" charset="0"/>
-                <a:cs typeface="Times New Roman" panose="02020603050405020304" pitchFamily="18" charset="0"/>
-              </a:rPr>
-              <a:t>. Output: The game should output the result of the game after comparing the user input against the random number</a:t>
-            </a:r>
-            <a:r>
-              <a:rPr lang="en-US" sz="2400" dirty="0" smtClean="0">
-                <a:latin typeface="Times New Roman" panose="02020603050405020304" pitchFamily="18" charset="0"/>
-                <a:cs typeface="Times New Roman" panose="02020603050405020304" pitchFamily="18" charset="0"/>
-              </a:rPr>
-              <a:t>.</a:t>
-            </a:r>
+              <a:t>4</a:t>
+            </a:fld>
+            <a:endParaRPr lang="en-US" dirty="0">
+              <a:solidFill>
+                <a:schemeClr val="tx1"/>
+              </a:solidFill>
+            </a:endParaRPr>
           </a:p>
         </p:txBody>
       </p:sp>
     </p:spTree>
     <p:extLst>
       <p:ext uri="{BB962C8B-B14F-4D97-AF65-F5344CB8AC3E}">
-        <p14:creationId xmlns:p14="http://schemas.microsoft.com/office/powerpoint/2010/main" val="193936242"/>
+        <p14:creationId xmlns:p14="http://schemas.microsoft.com/office/powerpoint/2010/main" val="1939530207"/>
       </p:ext>
     </p:extLst>
   </p:cSld>
@@ -6492,115 +7160,105 @@
       </p:grpSpPr>
       <p:sp>
         <p:nvSpPr>
-          <p:cNvPr id="3" name="TextBox 2"/>
-          <p:cNvSpPr txBox="1"/>
-          <p:nvPr/>
+          <p:cNvPr id="2" name="Title 1"/>
+          <p:cNvSpPr>
+            <a:spLocks noGrp="1"/>
+          </p:cNvSpPr>
+          <p:nvPr>
+            <p:ph type="title"/>
+          </p:nvPr>
         </p:nvSpPr>
         <p:spPr>
           <a:xfrm>
-            <a:off x="1164921" y="513567"/>
-            <a:ext cx="10121030" cy="1200329"/>
+            <a:off x="761740" y="393896"/>
+            <a:ext cx="8596668" cy="1320800"/>
           </a:xfrm>
-          <a:prstGeom prst="rect">
-            <a:avLst/>
-          </a:prstGeom>
-          <a:noFill/>
         </p:spPr>
         <p:txBody>
-          <a:bodyPr wrap="square" rtlCol="0">
-            <a:spAutoFit/>
-          </a:bodyPr>
-          <a:lstStyle/>
-          <a:p>
-            <a:r>
-              <a:rPr lang="en-US" dirty="0" smtClean="0">
-                <a:latin typeface="Times New Roman" panose="02020603050405020304" pitchFamily="18" charset="0"/>
-                <a:cs typeface="Times New Roman" panose="02020603050405020304" pitchFamily="18" charset="0"/>
-              </a:rPr>
-              <a:t>For implementing these features in C++, I first included the header files &lt;</a:t>
-            </a:r>
-            <a:r>
-              <a:rPr lang="en-US" dirty="0" err="1" smtClean="0">
-                <a:latin typeface="Times New Roman" panose="02020603050405020304" pitchFamily="18" charset="0"/>
-                <a:cs typeface="Times New Roman" panose="02020603050405020304" pitchFamily="18" charset="0"/>
-              </a:rPr>
-              <a:t>iostream</a:t>
-            </a:r>
-            <a:r>
-              <a:rPr lang="en-US" dirty="0" smtClean="0">
-                <a:latin typeface="Times New Roman" panose="02020603050405020304" pitchFamily="18" charset="0"/>
-                <a:cs typeface="Times New Roman" panose="02020603050405020304" pitchFamily="18" charset="0"/>
-              </a:rPr>
-              <a:t>&gt;, &lt;string&gt;, &lt;random&gt;,&lt;</a:t>
-            </a:r>
-            <a:r>
-              <a:rPr lang="en-US" dirty="0" err="1" smtClean="0">
-                <a:latin typeface="Times New Roman" panose="02020603050405020304" pitchFamily="18" charset="0"/>
-                <a:cs typeface="Times New Roman" panose="02020603050405020304" pitchFamily="18" charset="0"/>
-              </a:rPr>
-              <a:t>ctime</a:t>
-            </a:r>
-            <a:r>
-              <a:rPr lang="en-US" dirty="0" smtClean="0">
-                <a:latin typeface="Times New Roman" panose="02020603050405020304" pitchFamily="18" charset="0"/>
-                <a:cs typeface="Times New Roman" panose="02020603050405020304" pitchFamily="18" charset="0"/>
-              </a:rPr>
-              <a:t>&gt;and &lt;</a:t>
-            </a:r>
-            <a:r>
-              <a:rPr lang="en-US" dirty="0" err="1" smtClean="0">
-                <a:latin typeface="Times New Roman" panose="02020603050405020304" pitchFamily="18" charset="0"/>
-                <a:cs typeface="Times New Roman" panose="02020603050405020304" pitchFamily="18" charset="0"/>
-              </a:rPr>
-              <a:t>cstdlib</a:t>
-            </a:r>
-            <a:r>
-              <a:rPr lang="en-US" dirty="0" smtClean="0">
-                <a:latin typeface="Times New Roman" panose="02020603050405020304" pitchFamily="18" charset="0"/>
-                <a:cs typeface="Times New Roman" panose="02020603050405020304" pitchFamily="18" charset="0"/>
-              </a:rPr>
-              <a:t>&gt;, which include the necessary functions for input and output, strings, and random number generation respectively. </a:t>
-            </a:r>
-          </a:p>
-          <a:p>
-            <a:endParaRPr lang="en-US" dirty="0"/>
+          <a:bodyPr/>
+          <a:lstStyle/>
+          <a:p>
+            <a:pPr algn="ctr"/>
+            <a:r>
+              <a:rPr lang="en-US" dirty="0"/>
+              <a:t>GANTT CHART</a:t>
+            </a:r>
           </a:p>
         </p:txBody>
       </p:sp>
       <p:pic>
         <p:nvPicPr>
-          <p:cNvPr id="4" name="Picture 3"/>
+          <p:cNvPr id="5" name="Content Placeholder 4"/>
           <p:cNvPicPr>
-            <a:picLocks noChangeAspect="1"/>
+            <a:picLocks noGrp="1" noChangeAspect="1"/>
           </p:cNvPicPr>
-          <p:nvPr/>
+          <p:nvPr>
+            <p:ph idx="1"/>
+          </p:nvPr>
         </p:nvPicPr>
         <p:blipFill>
-          <a:blip r:embed="rId2"/>
+          <a:blip r:embed="rId2">
+            <a:duotone>
+              <a:schemeClr val="accent2">
+                <a:shade val="45000"/>
+                <a:satMod val="135000"/>
+              </a:schemeClr>
+              <a:prstClr val="white"/>
+            </a:duotone>
+            <a:extLst>
+              <a:ext uri="{28A0092B-C50C-407E-A947-70E740481C1C}">
+                <a14:useLocalDpi xmlns:a14="http://schemas.microsoft.com/office/drawing/2010/main" val="0"/>
+              </a:ext>
+            </a:extLst>
+          </a:blip>
           <a:stretch>
             <a:fillRect/>
           </a:stretch>
         </p:blipFill>
         <p:spPr>
           <a:xfrm>
-            <a:off x="3344449" y="1853852"/>
-            <a:ext cx="4246323" cy="3244241"/>
+            <a:off x="1053711" y="1130104"/>
+            <a:ext cx="8596667" cy="5334000"/>
           </a:xfrm>
-          <a:prstGeom prst="rect">
-            <a:avLst/>
-          </a:prstGeom>
         </p:spPr>
       </p:pic>
+      <p:sp>
+        <p:nvSpPr>
+          <p:cNvPr id="3" name="Slide Number Placeholder 2">
+            <a:extLst>
+              <a:ext uri="{FF2B5EF4-FFF2-40B4-BE49-F238E27FC236}">
+                <a16:creationId xmlns:a16="http://schemas.microsoft.com/office/drawing/2014/main" xmlns="" id="{125203B9-37EF-43AE-2840-04EF10E7D561}"/>
+              </a:ext>
+            </a:extLst>
+          </p:cNvPr>
+          <p:cNvSpPr>
+            <a:spLocks noGrp="1"/>
+          </p:cNvSpPr>
+          <p:nvPr>
+            <p:ph type="sldNum" sz="quarter" idx="12"/>
+          </p:nvPr>
+        </p:nvSpPr>
+        <p:spPr/>
+        <p:txBody>
+          <a:bodyPr/>
+          <a:lstStyle/>
+          <a:p>
+            <a:fld id="{A6375705-3D42-424D-8D85-17CC5C83F114}" type="slidenum">
+              <a:rPr lang="en-US" smtClean="0"/>
+              <a:t>5</a:t>
+            </a:fld>
+            <a:endParaRPr lang="en-US"/>
+          </a:p>
+        </p:txBody>
+      </p:sp>
     </p:spTree>
-    <p:extLst>
-      <p:ext uri="{BB962C8B-B14F-4D97-AF65-F5344CB8AC3E}">
-        <p14:creationId xmlns:p14="http://schemas.microsoft.com/office/powerpoint/2010/main" val="598793082"/>
-      </p:ext>
-    </p:extLst>
   </p:cSld>
   <p:clrMapOvr>
     <a:masterClrMapping/>
   </p:clrMapOvr>
+  <p:transition>
+    <p:wipe/>
+  </p:transition>
 </p:sld>
 </file>
 
@@ -6623,14 +7281,14 @@
       </p:grpSpPr>
       <p:sp>
         <p:nvSpPr>
-          <p:cNvPr id="2" name="TextBox 1"/>
+          <p:cNvPr id="3" name="TextBox 2"/>
           <p:cNvSpPr txBox="1"/>
           <p:nvPr/>
         </p:nvSpPr>
         <p:spPr>
           <a:xfrm>
-            <a:off x="939452" y="425885"/>
-            <a:ext cx="10484285" cy="1200329"/>
+            <a:off x="4897676" y="6325644"/>
+            <a:ext cx="2242159" cy="369332"/>
           </a:xfrm>
           <a:prstGeom prst="rect">
             <a:avLst/>
@@ -6644,21 +7302,52 @@
           <a:lstStyle/>
           <a:p>
             <a:r>
-              <a:rPr lang="en-US" dirty="0" smtClean="0">
-                <a:latin typeface="Times New Roman" panose="02020603050405020304" pitchFamily="18" charset="0"/>
-                <a:cs typeface="Times New Roman" panose="02020603050405020304" pitchFamily="18" charset="0"/>
+              <a:rPr lang="en-US" dirty="0"/>
+              <a:t>Flowchart</a:t>
+            </a:r>
+          </a:p>
+        </p:txBody>
+      </p:sp>
+      <p:sp>
+        <p:nvSpPr>
+          <p:cNvPr id="4" name="Slide Number Placeholder 3">
+            <a:extLst>
+              <a:ext uri="{FF2B5EF4-FFF2-40B4-BE49-F238E27FC236}">
+                <a16:creationId xmlns:a16="http://schemas.microsoft.com/office/drawing/2014/main" xmlns="" id="{040BBFD3-7415-3D91-D0A0-E4CE650C46AF}"/>
+              </a:ext>
+            </a:extLst>
+          </p:cNvPr>
+          <p:cNvSpPr>
+            <a:spLocks noGrp="1"/>
+          </p:cNvSpPr>
+          <p:nvPr>
+            <p:ph type="sldNum" sz="quarter" idx="12"/>
+          </p:nvPr>
+        </p:nvSpPr>
+        <p:spPr/>
+        <p:txBody>
+          <a:bodyPr/>
+          <a:lstStyle/>
+          <a:p>
+            <a:fld id="{A6375705-3D42-424D-8D85-17CC5C83F114}" type="slidenum">
+              <a:rPr lang="en-US" smtClean="0">
+                <a:solidFill>
+                  <a:schemeClr val="tx1"/>
+                </a:solidFill>
               </a:rPr>
-              <a:t>Then I defined the different possible inputs as strings, using the string data type. I used the rand() function to generate a random number and used if-else statement to assign the input based on the random number generated. </a:t>
-            </a:r>
-          </a:p>
-          <a:p>
-            <a:endParaRPr lang="en-US" dirty="0"/>
+              <a:t>6</a:t>
+            </a:fld>
+            <a:endParaRPr lang="en-US" dirty="0">
+              <a:solidFill>
+                <a:schemeClr val="tx1"/>
+              </a:solidFill>
+            </a:endParaRPr>
           </a:p>
         </p:txBody>
       </p:sp>
       <p:pic>
         <p:nvPicPr>
-          <p:cNvPr id="3" name="Picture 2"/>
+          <p:cNvPr id="5" name="Picture 4"/>
           <p:cNvPicPr>
             <a:picLocks noChangeAspect="1"/>
           </p:cNvPicPr>
@@ -6672,8 +7361,8 @@
         </p:blipFill>
         <p:spPr>
           <a:xfrm>
-            <a:off x="2492681" y="1878904"/>
-            <a:ext cx="5887232" cy="3494762"/>
+            <a:off x="1716066" y="263047"/>
+            <a:ext cx="8217074" cy="5628002"/>
           </a:xfrm>
           <a:prstGeom prst="rect">
             <a:avLst/>
@@ -6683,7 +7372,7 @@
     </p:spTree>
     <p:extLst>
       <p:ext uri="{BB962C8B-B14F-4D97-AF65-F5344CB8AC3E}">
-        <p14:creationId xmlns:p14="http://schemas.microsoft.com/office/powerpoint/2010/main" val="313520527"/>
+        <p14:creationId xmlns:p14="http://schemas.microsoft.com/office/powerpoint/2010/main" val="3792336857"/>
       </p:ext>
     </p:extLst>
   </p:cSld>
@@ -6710,60 +7399,6 @@
           <a:chExt cx="0" cy="0"/>
         </a:xfrm>
       </p:grpSpPr>
-      <p:pic>
-        <p:nvPicPr>
-          <p:cNvPr id="2" name="Picture 1"/>
-          <p:cNvPicPr>
-            <a:picLocks noChangeAspect="1"/>
-          </p:cNvPicPr>
-          <p:nvPr/>
-        </p:nvPicPr>
-        <p:blipFill>
-          <a:blip r:embed="rId2"/>
-          <a:stretch>
-            <a:fillRect/>
-          </a:stretch>
-        </p:blipFill>
-        <p:spPr>
-          <a:xfrm>
-            <a:off x="2292262" y="613775"/>
-            <a:ext cx="6789107" cy="4985359"/>
-          </a:xfrm>
-          <a:prstGeom prst="rect">
-            <a:avLst/>
-          </a:prstGeom>
-        </p:spPr>
-      </p:pic>
-    </p:spTree>
-    <p:extLst>
-      <p:ext uri="{BB962C8B-B14F-4D97-AF65-F5344CB8AC3E}">
-        <p14:creationId xmlns:p14="http://schemas.microsoft.com/office/powerpoint/2010/main" val="2089188506"/>
-      </p:ext>
-    </p:extLst>
-  </p:cSld>
-  <p:clrMapOvr>
-    <a:masterClrMapping/>
-  </p:clrMapOvr>
-</p:sld>
-</file>
-
-<file path=ppt/slides/slide8.xml><?xml version="1.0" encoding="utf-8"?>
-<p:sld xmlns:a="http://schemas.openxmlformats.org/drawingml/2006/main" xmlns:r="http://schemas.openxmlformats.org/officeDocument/2006/relationships" xmlns:p="http://schemas.openxmlformats.org/presentationml/2006/main">
-  <p:cSld>
-    <p:spTree>
-      <p:nvGrpSpPr>
-        <p:cNvPr id="1" name=""/>
-        <p:cNvGrpSpPr/>
-        <p:nvPr/>
-      </p:nvGrpSpPr>
-      <p:grpSpPr>
-        <a:xfrm>
-          <a:off x="0" y="0"/>
-          <a:ext cx="0" cy="0"/>
-          <a:chOff x="0" y="0"/>
-          <a:chExt cx="0" cy="0"/>
-        </a:xfrm>
-      </p:grpSpPr>
       <p:sp>
         <p:nvSpPr>
           <p:cNvPr id="2" name="TextBox 1"/>
@@ -6772,8 +7407,8 @@
         </p:nvSpPr>
         <p:spPr>
           <a:xfrm>
-            <a:off x="951978" y="413359"/>
-            <a:ext cx="10346499" cy="1477328"/>
+            <a:off x="1791222" y="438411"/>
+            <a:ext cx="8392438" cy="461665"/>
           </a:xfrm>
           <a:prstGeom prst="rect">
             <a:avLst/>
@@ -6786,128 +7421,139 @@
           </a:bodyPr>
           <a:lstStyle/>
           <a:p>
-            <a:r>
-              <a:rPr lang="en-US" dirty="0" smtClean="0"/>
-              <a:t>Next, I used an if-else statement to compare the user input and the computer’s input and output of the result of the game. Finally, I used a while loop to keep the game running for the n numbers of rounds and displayed the final score. </a:t>
-            </a:r>
-          </a:p>
-          <a:p>
-            <a:endParaRPr lang="en-US" dirty="0" smtClean="0">
-              <a:latin typeface="Times New Roman" panose="02020603050405020304" pitchFamily="18" charset="0"/>
-              <a:cs typeface="Times New Roman" panose="02020603050405020304" pitchFamily="18" charset="0"/>
-            </a:endParaRPr>
-          </a:p>
-          <a:p>
-            <a:endParaRPr lang="en-US" dirty="0"/>
-          </a:p>
-        </p:txBody>
-      </p:sp>
-      <p:pic>
-        <p:nvPicPr>
-          <p:cNvPr id="3" name="Picture 2"/>
-          <p:cNvPicPr>
-            <a:picLocks noChangeAspect="1"/>
-          </p:cNvPicPr>
+            <a:pPr algn="ctr"/>
+            <a:r>
+              <a:rPr lang="en-US" sz="2400" b="1" dirty="0">
+                <a:latin typeface="Times New Roman" panose="02020603050405020304" pitchFamily="18" charset="0"/>
+                <a:cs typeface="Times New Roman" panose="02020603050405020304" pitchFamily="18" charset="0"/>
+              </a:rPr>
+              <a:t>Conclusion</a:t>
+            </a:r>
+          </a:p>
+        </p:txBody>
+      </p:sp>
+      <p:sp>
+        <p:nvSpPr>
+          <p:cNvPr id="3" name="TextBox 2"/>
+          <p:cNvSpPr txBox="1"/>
           <p:nvPr/>
-        </p:nvPicPr>
-        <p:blipFill>
-          <a:blip r:embed="rId2"/>
-          <a:stretch>
-            <a:fillRect/>
-          </a:stretch>
-        </p:blipFill>
+        </p:nvSpPr>
         <p:spPr>
           <a:xfrm>
-            <a:off x="2867025" y="1557337"/>
-            <a:ext cx="6457950" cy="3743325"/>
+            <a:off x="977029" y="1077238"/>
+            <a:ext cx="9532307" cy="3139321"/>
           </a:xfrm>
           <a:prstGeom prst="rect">
             <a:avLst/>
           </a:prstGeom>
+          <a:noFill/>
         </p:spPr>
-      </p:pic>
+        <p:txBody>
+          <a:bodyPr wrap="square" rtlCol="0">
+            <a:spAutoFit/>
+          </a:bodyPr>
+          <a:lstStyle/>
+          <a:p>
+            <a:pPr marL="285750" indent="-285750">
+              <a:buFont typeface="Arial" panose="020B0604020202020204" pitchFamily="34" charset="0"/>
+              <a:buChar char="•"/>
+            </a:pPr>
+            <a:r>
+              <a:rPr lang="en-US" sz="2200" dirty="0">
+                <a:latin typeface="Times New Roman" panose="02020603050405020304" pitchFamily="18" charset="0"/>
+                <a:cs typeface="Times New Roman" panose="02020603050405020304" pitchFamily="18" charset="0"/>
+              </a:rPr>
+              <a:t>The game was successfully implemented in C++, with all of the key features working as intended.</a:t>
+            </a:r>
+          </a:p>
+          <a:p>
+            <a:pPr marL="285750" indent="-285750">
+              <a:buFont typeface="Arial" panose="020B0604020202020204" pitchFamily="34" charset="0"/>
+              <a:buChar char="•"/>
+            </a:pPr>
+            <a:r>
+              <a:rPr lang="en-US" sz="2200" dirty="0">
+                <a:latin typeface="Times New Roman" panose="02020603050405020304" pitchFamily="18" charset="0"/>
+                <a:cs typeface="Times New Roman" panose="02020603050405020304" pitchFamily="18" charset="0"/>
+              </a:rPr>
+              <a:t>The game provides a fun and interactive way for players to practice their decision-making skills.</a:t>
+            </a:r>
+          </a:p>
+          <a:p>
+            <a:pPr marL="285750" indent="-285750">
+              <a:buFont typeface="Arial" panose="020B0604020202020204" pitchFamily="34" charset="0"/>
+              <a:buChar char="•"/>
+            </a:pPr>
+            <a:r>
+              <a:rPr lang="en-US" sz="2200" dirty="0">
+                <a:latin typeface="Times New Roman" panose="02020603050405020304" pitchFamily="18" charset="0"/>
+                <a:cs typeface="Times New Roman" panose="02020603050405020304" pitchFamily="18" charset="0"/>
+              </a:rPr>
+              <a:t>The project served as an opportunity to learn and practice C++ programming concepts, such as functions, loops.</a:t>
+            </a:r>
+          </a:p>
+          <a:p>
+            <a:pPr marL="285750" indent="-285750">
+              <a:buFont typeface="Arial" panose="020B0604020202020204" pitchFamily="34" charset="0"/>
+              <a:buChar char="•"/>
+            </a:pPr>
+            <a:r>
+              <a:rPr lang="en-US" sz="2200" dirty="0">
+                <a:latin typeface="Times New Roman" panose="02020603050405020304" pitchFamily="18" charset="0"/>
+                <a:cs typeface="Times New Roman" panose="02020603050405020304" pitchFamily="18" charset="0"/>
+              </a:rPr>
+              <a:t>Overall, the "scissor, paper, rock" game was a successful project that can be enjoyed by players of all ages.</a:t>
+            </a:r>
+          </a:p>
+          <a:p>
+            <a:endParaRPr lang="en-US" sz="2200" dirty="0">
+              <a:latin typeface="Times New Roman" panose="02020603050405020304" pitchFamily="18" charset="0"/>
+              <a:cs typeface="Times New Roman" panose="02020603050405020304" pitchFamily="18" charset="0"/>
+            </a:endParaRPr>
+          </a:p>
+        </p:txBody>
+      </p:sp>
+      <p:sp>
+        <p:nvSpPr>
+          <p:cNvPr id="4" name="Slide Number Placeholder 3">
+            <a:extLst>
+              <a:ext uri="{FF2B5EF4-FFF2-40B4-BE49-F238E27FC236}">
+                <a16:creationId xmlns:a16="http://schemas.microsoft.com/office/drawing/2014/main" xmlns="" id="{E7D8A084-6F12-63B5-1455-69830A05BA9A}"/>
+              </a:ext>
+            </a:extLst>
+          </p:cNvPr>
+          <p:cNvSpPr>
+            <a:spLocks noGrp="1"/>
+          </p:cNvSpPr>
+          <p:nvPr>
+            <p:ph type="sldNum" sz="quarter" idx="12"/>
+          </p:nvPr>
+        </p:nvSpPr>
+        <p:spPr/>
+        <p:txBody>
+          <a:bodyPr/>
+          <a:lstStyle/>
+          <a:p>
+            <a:fld id="{A6375705-3D42-424D-8D85-17CC5C83F114}" type="slidenum">
+              <a:rPr lang="en-US" smtClean="0">
+                <a:solidFill>
+                  <a:schemeClr val="tx1"/>
+                </a:solidFill>
+              </a:rPr>
+              <a:t>7</a:t>
+            </a:fld>
+            <a:endParaRPr lang="en-US" dirty="0">
+              <a:solidFill>
+                <a:schemeClr val="tx1"/>
+              </a:solidFill>
+            </a:endParaRPr>
+          </a:p>
+        </p:txBody>
+      </p:sp>
     </p:spTree>
     <p:extLst>
       <p:ext uri="{BB962C8B-B14F-4D97-AF65-F5344CB8AC3E}">
-        <p14:creationId xmlns:p14="http://schemas.microsoft.com/office/powerpoint/2010/main" val="2150211261"/>
-      </p:ext>
-    </p:extLst>
-  </p:cSld>
-  <p:clrMapOvr>
-    <a:masterClrMapping/>
-  </p:clrMapOvr>
-</p:sld>
-</file>
-
-<file path=ppt/slides/slide9.xml><?xml version="1.0" encoding="utf-8"?>
-<p:sld xmlns:a="http://schemas.openxmlformats.org/drawingml/2006/main" xmlns:r="http://schemas.openxmlformats.org/officeDocument/2006/relationships" xmlns:p="http://schemas.openxmlformats.org/presentationml/2006/main">
-  <p:cSld>
-    <p:spTree>
-      <p:nvGrpSpPr>
-        <p:cNvPr id="1" name=""/>
-        <p:cNvGrpSpPr/>
-        <p:nvPr/>
-      </p:nvGrpSpPr>
-      <p:grpSpPr>
-        <a:xfrm>
-          <a:off x="0" y="0"/>
-          <a:ext cx="0" cy="0"/>
-          <a:chOff x="0" y="0"/>
-          <a:chExt cx="0" cy="0"/>
-        </a:xfrm>
-      </p:grpSpPr>
-      <p:pic>
-        <p:nvPicPr>
-          <p:cNvPr id="2" name="Picture 1"/>
-          <p:cNvPicPr>
-            <a:picLocks noChangeAspect="1"/>
-          </p:cNvPicPr>
-          <p:nvPr/>
-        </p:nvPicPr>
-        <p:blipFill>
-          <a:blip r:embed="rId2"/>
-          <a:stretch>
-            <a:fillRect/>
-          </a:stretch>
-        </p:blipFill>
-        <p:spPr>
-          <a:xfrm>
-            <a:off x="2635685" y="419361"/>
-            <a:ext cx="5943600" cy="3238500"/>
-          </a:xfrm>
-          <a:prstGeom prst="rect">
-            <a:avLst/>
-          </a:prstGeom>
-        </p:spPr>
-      </p:pic>
-      <p:pic>
-        <p:nvPicPr>
-          <p:cNvPr id="3" name="Picture 2"/>
-          <p:cNvPicPr>
-            <a:picLocks noChangeAspect="1"/>
-          </p:cNvPicPr>
-          <p:nvPr/>
-        </p:nvPicPr>
-        <p:blipFill>
-          <a:blip r:embed="rId3"/>
-          <a:stretch>
-            <a:fillRect/>
-          </a:stretch>
-        </p:blipFill>
-        <p:spPr>
-          <a:xfrm>
-            <a:off x="2635685" y="3845752"/>
-            <a:ext cx="5857875" cy="1400175"/>
-          </a:xfrm>
-          <a:prstGeom prst="rect">
-            <a:avLst/>
-          </a:prstGeom>
-        </p:spPr>
-      </p:pic>
-    </p:spTree>
-    <p:extLst>
-      <p:ext uri="{BB962C8B-B14F-4D97-AF65-F5344CB8AC3E}">
-        <p14:creationId xmlns:p14="http://schemas.microsoft.com/office/powerpoint/2010/main" val="2732311621"/>
+        <p14:creationId xmlns:p14="http://schemas.microsoft.com/office/powerpoint/2010/main" val="3211136390"/>
       </p:ext>
     </p:extLst>
   </p:cSld>
@@ -7172,4 +7818,594 @@
     </a:ext>
   </a:extLst>
 </a:theme>
+</file>
+
+<file path=ppt/theme/theme2.xml><?xml version="1.0" encoding="utf-8"?>
+<a:theme xmlns:a="http://schemas.openxmlformats.org/drawingml/2006/main" name="Office Theme">
+  <a:themeElements>
+    <a:clrScheme name="Office">
+      <a:dk1>
+        <a:sysClr val="windowText" lastClr="000000"/>
+      </a:dk1>
+      <a:lt1>
+        <a:sysClr val="window" lastClr="FFFFFF"/>
+      </a:lt1>
+      <a:dk2>
+        <a:srgbClr val="44546A"/>
+      </a:dk2>
+      <a:lt2>
+        <a:srgbClr val="E7E6E6"/>
+      </a:lt2>
+      <a:accent1>
+        <a:srgbClr val="4472C4"/>
+      </a:accent1>
+      <a:accent2>
+        <a:srgbClr val="ED7D31"/>
+      </a:accent2>
+      <a:accent3>
+        <a:srgbClr val="A5A5A5"/>
+      </a:accent3>
+      <a:accent4>
+        <a:srgbClr val="FFC000"/>
+      </a:accent4>
+      <a:accent5>
+        <a:srgbClr val="5B9BD5"/>
+      </a:accent5>
+      <a:accent6>
+        <a:srgbClr val="70AD47"/>
+      </a:accent6>
+      <a:hlink>
+        <a:srgbClr val="0563C1"/>
+      </a:hlink>
+      <a:folHlink>
+        <a:srgbClr val="954F72"/>
+      </a:folHlink>
+    </a:clrScheme>
+    <a:fontScheme name="Office">
+      <a:majorFont>
+        <a:latin typeface="Calibri Light" panose="020F0302020204030204"/>
+        <a:ea typeface=""/>
+        <a:cs typeface=""/>
+        <a:font script="Jpan" typeface="游ゴシック Light"/>
+        <a:font script="Hang" typeface="맑은 고딕"/>
+        <a:font script="Hans" typeface="等线 Light"/>
+        <a:font script="Hant" typeface="新細明體"/>
+        <a:font script="Arab" typeface="Times New Roman"/>
+        <a:font script="Hebr" typeface="Times New Roman"/>
+        <a:font script="Thai" typeface="Angsana New"/>
+        <a:font script="Ethi" typeface="Nyala"/>
+        <a:font script="Beng" typeface="Vrinda"/>
+        <a:font script="Gujr" typeface="Shruti"/>
+        <a:font script="Khmr" typeface="MoolBoran"/>
+        <a:font script="Knda" typeface="Tunga"/>
+        <a:font script="Guru" typeface="Raavi"/>
+        <a:font script="Cans" typeface="Euphemia"/>
+        <a:font script="Cher" typeface="Plantagenet Cherokee"/>
+        <a:font script="Yiii" typeface="Microsoft Yi Baiti"/>
+        <a:font script="Tibt" typeface="Microsoft Himalaya"/>
+        <a:font script="Thaa" typeface="MV Boli"/>
+        <a:font script="Deva" typeface="Mangal"/>
+        <a:font script="Telu" typeface="Gautami"/>
+        <a:font script="Taml" typeface="Latha"/>
+        <a:font script="Syrc" typeface="Estrangelo Edessa"/>
+        <a:font script="Orya" typeface="Kalinga"/>
+        <a:font script="Mlym" typeface="Kartika"/>
+        <a:font script="Laoo" typeface="DokChampa"/>
+        <a:font script="Sinh" typeface="Iskoola Pota"/>
+        <a:font script="Mong" typeface="Mongolian Baiti"/>
+        <a:font script="Viet" typeface="Times New Roman"/>
+        <a:font script="Uigh" typeface="Microsoft Uighur"/>
+        <a:font script="Geor" typeface="Sylfaen"/>
+        <a:font script="Armn" typeface="Arial"/>
+        <a:font script="Bugi" typeface="Leelawadee UI"/>
+        <a:font script="Bopo" typeface="Microsoft JhengHei"/>
+        <a:font script="Java" typeface="Javanese Text"/>
+        <a:font script="Lisu" typeface="Segoe UI"/>
+        <a:font script="Mymr" typeface="Myanmar Text"/>
+        <a:font script="Nkoo" typeface="Ebrima"/>
+        <a:font script="Olck" typeface="Nirmala UI"/>
+        <a:font script="Osma" typeface="Ebrima"/>
+        <a:font script="Phag" typeface="Phagspa"/>
+        <a:font script="Syrn" typeface="Estrangelo Edessa"/>
+        <a:font script="Syrj" typeface="Estrangelo Edessa"/>
+        <a:font script="Syre" typeface="Estrangelo Edessa"/>
+        <a:font script="Sora" typeface="Nirmala UI"/>
+        <a:font script="Tale" typeface="Microsoft Tai Le"/>
+        <a:font script="Talu" typeface="Microsoft New Tai Lue"/>
+        <a:font script="Tfng" typeface="Ebrima"/>
+      </a:majorFont>
+      <a:minorFont>
+        <a:latin typeface="Calibri" panose="020F0502020204030204"/>
+        <a:ea typeface=""/>
+        <a:cs typeface=""/>
+        <a:font script="Jpan" typeface="游ゴシック"/>
+        <a:font script="Hang" typeface="맑은 고딕"/>
+        <a:font script="Hans" typeface="等线"/>
+        <a:font script="Hant" typeface="新細明體"/>
+        <a:font script="Arab" typeface="Arial"/>
+        <a:font script="Hebr" typeface="Arial"/>
+        <a:font script="Thai" typeface="Cordia New"/>
+        <a:font script="Ethi" typeface="Nyala"/>
+        <a:font script="Beng" typeface="Vrinda"/>
+        <a:font script="Gujr" typeface="Shruti"/>
+        <a:font script="Khmr" typeface="DaunPenh"/>
+        <a:font script="Knda" typeface="Tunga"/>
+        <a:font script="Guru" typeface="Raavi"/>
+        <a:font script="Cans" typeface="Euphemia"/>
+        <a:font script="Cher" typeface="Plantagenet Cherokee"/>
+        <a:font script="Yiii" typeface="Microsoft Yi Baiti"/>
+        <a:font script="Tibt" typeface="Microsoft Himalaya"/>
+        <a:font script="Thaa" typeface="MV Boli"/>
+        <a:font script="Deva" typeface="Mangal"/>
+        <a:font script="Telu" typeface="Gautami"/>
+        <a:font script="Taml" typeface="Latha"/>
+        <a:font script="Syrc" typeface="Estrangelo Edessa"/>
+        <a:font script="Orya" typeface="Kalinga"/>
+        <a:font script="Mlym" typeface="Kartika"/>
+        <a:font script="Laoo" typeface="DokChampa"/>
+        <a:font script="Sinh" typeface="Iskoola Pota"/>
+        <a:font script="Mong" typeface="Mongolian Baiti"/>
+        <a:font script="Viet" typeface="Arial"/>
+        <a:font script="Uigh" typeface="Microsoft Uighur"/>
+        <a:font script="Geor" typeface="Sylfaen"/>
+        <a:font script="Armn" typeface="Arial"/>
+        <a:font script="Bugi" typeface="Leelawadee UI"/>
+        <a:font script="Bopo" typeface="Microsoft JhengHei"/>
+        <a:font script="Java" typeface="Javanese Text"/>
+        <a:font script="Lisu" typeface="Segoe UI"/>
+        <a:font script="Mymr" typeface="Myanmar Text"/>
+        <a:font script="Nkoo" typeface="Ebrima"/>
+        <a:font script="Olck" typeface="Nirmala UI"/>
+        <a:font script="Osma" typeface="Ebrima"/>
+        <a:font script="Phag" typeface="Phagspa"/>
+        <a:font script="Syrn" typeface="Estrangelo Edessa"/>
+        <a:font script="Syrj" typeface="Estrangelo Edessa"/>
+        <a:font script="Syre" typeface="Estrangelo Edessa"/>
+        <a:font script="Sora" typeface="Nirmala UI"/>
+        <a:font script="Tale" typeface="Microsoft Tai Le"/>
+        <a:font script="Talu" typeface="Microsoft New Tai Lue"/>
+        <a:font script="Tfng" typeface="Ebrima"/>
+      </a:minorFont>
+    </a:fontScheme>
+    <a:fmtScheme name="Office">
+      <a:fillStyleLst>
+        <a:solidFill>
+          <a:schemeClr val="phClr"/>
+        </a:solidFill>
+        <a:gradFill rotWithShape="1">
+          <a:gsLst>
+            <a:gs pos="0">
+              <a:schemeClr val="phClr">
+                <a:lumMod val="110000"/>
+                <a:satMod val="105000"/>
+                <a:tint val="67000"/>
+              </a:schemeClr>
+            </a:gs>
+            <a:gs pos="50000">
+              <a:schemeClr val="phClr">
+                <a:lumMod val="105000"/>
+                <a:satMod val="103000"/>
+                <a:tint val="73000"/>
+              </a:schemeClr>
+            </a:gs>
+            <a:gs pos="100000">
+              <a:schemeClr val="phClr">
+                <a:lumMod val="105000"/>
+                <a:satMod val="109000"/>
+                <a:tint val="81000"/>
+              </a:schemeClr>
+            </a:gs>
+          </a:gsLst>
+          <a:lin ang="5400000" scaled="0"/>
+        </a:gradFill>
+        <a:gradFill rotWithShape="1">
+          <a:gsLst>
+            <a:gs pos="0">
+              <a:schemeClr val="phClr">
+                <a:satMod val="103000"/>
+                <a:lumMod val="102000"/>
+                <a:tint val="94000"/>
+              </a:schemeClr>
+            </a:gs>
+            <a:gs pos="50000">
+              <a:schemeClr val="phClr">
+                <a:satMod val="110000"/>
+                <a:lumMod val="100000"/>
+                <a:shade val="100000"/>
+              </a:schemeClr>
+            </a:gs>
+            <a:gs pos="100000">
+              <a:schemeClr val="phClr">
+                <a:lumMod val="99000"/>
+                <a:satMod val="120000"/>
+                <a:shade val="78000"/>
+              </a:schemeClr>
+            </a:gs>
+          </a:gsLst>
+          <a:lin ang="5400000" scaled="0"/>
+        </a:gradFill>
+      </a:fillStyleLst>
+      <a:lnStyleLst>
+        <a:ln w="6350" cap="flat" cmpd="sng" algn="ctr">
+          <a:solidFill>
+            <a:schemeClr val="phClr"/>
+          </a:solidFill>
+          <a:prstDash val="solid"/>
+          <a:miter lim="800000"/>
+        </a:ln>
+        <a:ln w="12700" cap="flat" cmpd="sng" algn="ctr">
+          <a:solidFill>
+            <a:schemeClr val="phClr"/>
+          </a:solidFill>
+          <a:prstDash val="solid"/>
+          <a:miter lim="800000"/>
+        </a:ln>
+        <a:ln w="19050" cap="flat" cmpd="sng" algn="ctr">
+          <a:solidFill>
+            <a:schemeClr val="phClr"/>
+          </a:solidFill>
+          <a:prstDash val="solid"/>
+          <a:miter lim="800000"/>
+        </a:ln>
+      </a:lnStyleLst>
+      <a:effectStyleLst>
+        <a:effectStyle>
+          <a:effectLst/>
+        </a:effectStyle>
+        <a:effectStyle>
+          <a:effectLst/>
+        </a:effectStyle>
+        <a:effectStyle>
+          <a:effectLst>
+            <a:outerShdw blurRad="57150" dist="19050" dir="5400000" algn="ctr" rotWithShape="0">
+              <a:srgbClr val="000000">
+                <a:alpha val="63000"/>
+              </a:srgbClr>
+            </a:outerShdw>
+          </a:effectLst>
+        </a:effectStyle>
+      </a:effectStyleLst>
+      <a:bgFillStyleLst>
+        <a:solidFill>
+          <a:schemeClr val="phClr"/>
+        </a:solidFill>
+        <a:solidFill>
+          <a:schemeClr val="phClr">
+            <a:tint val="95000"/>
+            <a:satMod val="170000"/>
+          </a:schemeClr>
+        </a:solidFill>
+        <a:gradFill rotWithShape="1">
+          <a:gsLst>
+            <a:gs pos="0">
+              <a:schemeClr val="phClr">
+                <a:tint val="93000"/>
+                <a:satMod val="150000"/>
+                <a:shade val="98000"/>
+                <a:lumMod val="102000"/>
+              </a:schemeClr>
+            </a:gs>
+            <a:gs pos="50000">
+              <a:schemeClr val="phClr">
+                <a:tint val="98000"/>
+                <a:satMod val="130000"/>
+                <a:shade val="90000"/>
+                <a:lumMod val="103000"/>
+              </a:schemeClr>
+            </a:gs>
+            <a:gs pos="100000">
+              <a:schemeClr val="phClr">
+                <a:shade val="63000"/>
+                <a:satMod val="120000"/>
+              </a:schemeClr>
+            </a:gs>
+          </a:gsLst>
+          <a:lin ang="5400000" scaled="0"/>
+        </a:gradFill>
+      </a:bgFillStyleLst>
+    </a:fmtScheme>
+  </a:themeElements>
+  <a:objectDefaults/>
+  <a:extraClrSchemeLst/>
+  <a:extLst>
+    <a:ext uri="{05A4C25C-085E-4340-85A3-A5531E510DB2}">
+      <thm15:themeFamily xmlns:thm15="http://schemas.microsoft.com/office/thememl/2012/main" name="Office Theme" id="{62F939B6-93AF-4DB8-9C6B-D6C7DFDC589F}" vid="{4A3C46E8-61CC-4603-A589-7422A47A8E4A}"/>
+    </a:ext>
+  </a:extLst>
+</a:theme>
+</file>
+
+<file path=ppt/theme/theme3.xml><?xml version="1.0" encoding="utf-8"?>
+<a:theme xmlns:a="http://schemas.openxmlformats.org/drawingml/2006/main" name="Office Theme">
+  <a:themeElements>
+    <a:clrScheme name="Office">
+      <a:dk1>
+        <a:sysClr val="windowText" lastClr="000000"/>
+      </a:dk1>
+      <a:lt1>
+        <a:sysClr val="window" lastClr="FFFFFF"/>
+      </a:lt1>
+      <a:dk2>
+        <a:srgbClr val="44546A"/>
+      </a:dk2>
+      <a:lt2>
+        <a:srgbClr val="E7E6E6"/>
+      </a:lt2>
+      <a:accent1>
+        <a:srgbClr val="4472C4"/>
+      </a:accent1>
+      <a:accent2>
+        <a:srgbClr val="ED7D31"/>
+      </a:accent2>
+      <a:accent3>
+        <a:srgbClr val="A5A5A5"/>
+      </a:accent3>
+      <a:accent4>
+        <a:srgbClr val="FFC000"/>
+      </a:accent4>
+      <a:accent5>
+        <a:srgbClr val="5B9BD5"/>
+      </a:accent5>
+      <a:accent6>
+        <a:srgbClr val="70AD47"/>
+      </a:accent6>
+      <a:hlink>
+        <a:srgbClr val="0563C1"/>
+      </a:hlink>
+      <a:folHlink>
+        <a:srgbClr val="954F72"/>
+      </a:folHlink>
+    </a:clrScheme>
+    <a:fontScheme name="Office">
+      <a:majorFont>
+        <a:latin typeface="Calibri Light" panose="020F0302020204030204"/>
+        <a:ea typeface=""/>
+        <a:cs typeface=""/>
+        <a:font script="Jpan" typeface="游ゴシック Light"/>
+        <a:font script="Hang" typeface="맑은 고딕"/>
+        <a:font script="Hans" typeface="等线 Light"/>
+        <a:font script="Hant" typeface="新細明體"/>
+        <a:font script="Arab" typeface="Times New Roman"/>
+        <a:font script="Hebr" typeface="Times New Roman"/>
+        <a:font script="Thai" typeface="Angsana New"/>
+        <a:font script="Ethi" typeface="Nyala"/>
+        <a:font script="Beng" typeface="Vrinda"/>
+        <a:font script="Gujr" typeface="Shruti"/>
+        <a:font script="Khmr" typeface="MoolBoran"/>
+        <a:font script="Knda" typeface="Tunga"/>
+        <a:font script="Guru" typeface="Raavi"/>
+        <a:font script="Cans" typeface="Euphemia"/>
+        <a:font script="Cher" typeface="Plantagenet Cherokee"/>
+        <a:font script="Yiii" typeface="Microsoft Yi Baiti"/>
+        <a:font script="Tibt" typeface="Microsoft Himalaya"/>
+        <a:font script="Thaa" typeface="MV Boli"/>
+        <a:font script="Deva" typeface="Mangal"/>
+        <a:font script="Telu" typeface="Gautami"/>
+        <a:font script="Taml" typeface="Latha"/>
+        <a:font script="Syrc" typeface="Estrangelo Edessa"/>
+        <a:font script="Orya" typeface="Kalinga"/>
+        <a:font script="Mlym" typeface="Kartika"/>
+        <a:font script="Laoo" typeface="DokChampa"/>
+        <a:font script="Sinh" typeface="Iskoola Pota"/>
+        <a:font script="Mong" typeface="Mongolian Baiti"/>
+        <a:font script="Viet" typeface="Times New Roman"/>
+        <a:font script="Uigh" typeface="Microsoft Uighur"/>
+        <a:font script="Geor" typeface="Sylfaen"/>
+        <a:font script="Armn" typeface="Arial"/>
+        <a:font script="Bugi" typeface="Leelawadee UI"/>
+        <a:font script="Bopo" typeface="Microsoft JhengHei"/>
+        <a:font script="Java" typeface="Javanese Text"/>
+        <a:font script="Lisu" typeface="Segoe UI"/>
+        <a:font script="Mymr" typeface="Myanmar Text"/>
+        <a:font script="Nkoo" typeface="Ebrima"/>
+        <a:font script="Olck" typeface="Nirmala UI"/>
+        <a:font script="Osma" typeface="Ebrima"/>
+        <a:font script="Phag" typeface="Phagspa"/>
+        <a:font script="Syrn" typeface="Estrangelo Edessa"/>
+        <a:font script="Syrj" typeface="Estrangelo Edessa"/>
+        <a:font script="Syre" typeface="Estrangelo Edessa"/>
+        <a:font script="Sora" typeface="Nirmala UI"/>
+        <a:font script="Tale" typeface="Microsoft Tai Le"/>
+        <a:font script="Talu" typeface="Microsoft New Tai Lue"/>
+        <a:font script="Tfng" typeface="Ebrima"/>
+      </a:majorFont>
+      <a:minorFont>
+        <a:latin typeface="Calibri" panose="020F0502020204030204"/>
+        <a:ea typeface=""/>
+        <a:cs typeface=""/>
+        <a:font script="Jpan" typeface="游ゴシック"/>
+        <a:font script="Hang" typeface="맑은 고딕"/>
+        <a:font script="Hans" typeface="等线"/>
+        <a:font script="Hant" typeface="新細明體"/>
+        <a:font script="Arab" typeface="Arial"/>
+        <a:font script="Hebr" typeface="Arial"/>
+        <a:font script="Thai" typeface="Cordia New"/>
+        <a:font script="Ethi" typeface="Nyala"/>
+        <a:font script="Beng" typeface="Vrinda"/>
+        <a:font script="Gujr" typeface="Shruti"/>
+        <a:font script="Khmr" typeface="DaunPenh"/>
+        <a:font script="Knda" typeface="Tunga"/>
+        <a:font script="Guru" typeface="Raavi"/>
+        <a:font script="Cans" typeface="Euphemia"/>
+        <a:font script="Cher" typeface="Plantagenet Cherokee"/>
+        <a:font script="Yiii" typeface="Microsoft Yi Baiti"/>
+        <a:font script="Tibt" typeface="Microsoft Himalaya"/>
+        <a:font script="Thaa" typeface="MV Boli"/>
+        <a:font script="Deva" typeface="Mangal"/>
+        <a:font script="Telu" typeface="Gautami"/>
+        <a:font script="Taml" typeface="Latha"/>
+        <a:font script="Syrc" typeface="Estrangelo Edessa"/>
+        <a:font script="Orya" typeface="Kalinga"/>
+        <a:font script="Mlym" typeface="Kartika"/>
+        <a:font script="Laoo" typeface="DokChampa"/>
+        <a:font script="Sinh" typeface="Iskoola Pota"/>
+        <a:font script="Mong" typeface="Mongolian Baiti"/>
+        <a:font script="Viet" typeface="Arial"/>
+        <a:font script="Uigh" typeface="Microsoft Uighur"/>
+        <a:font script="Geor" typeface="Sylfaen"/>
+        <a:font script="Armn" typeface="Arial"/>
+        <a:font script="Bugi" typeface="Leelawadee UI"/>
+        <a:font script="Bopo" typeface="Microsoft JhengHei"/>
+        <a:font script="Java" typeface="Javanese Text"/>
+        <a:font script="Lisu" typeface="Segoe UI"/>
+        <a:font script="Mymr" typeface="Myanmar Text"/>
+        <a:font script="Nkoo" typeface="Ebrima"/>
+        <a:font script="Olck" typeface="Nirmala UI"/>
+        <a:font script="Osma" typeface="Ebrima"/>
+        <a:font script="Phag" typeface="Phagspa"/>
+        <a:font script="Syrn" typeface="Estrangelo Edessa"/>
+        <a:font script="Syrj" typeface="Estrangelo Edessa"/>
+        <a:font script="Syre" typeface="Estrangelo Edessa"/>
+        <a:font script="Sora" typeface="Nirmala UI"/>
+        <a:font script="Tale" typeface="Microsoft Tai Le"/>
+        <a:font script="Talu" typeface="Microsoft New Tai Lue"/>
+        <a:font script="Tfng" typeface="Ebrima"/>
+      </a:minorFont>
+    </a:fontScheme>
+    <a:fmtScheme name="Office">
+      <a:fillStyleLst>
+        <a:solidFill>
+          <a:schemeClr val="phClr"/>
+        </a:solidFill>
+        <a:gradFill rotWithShape="1">
+          <a:gsLst>
+            <a:gs pos="0">
+              <a:schemeClr val="phClr">
+                <a:lumMod val="110000"/>
+                <a:satMod val="105000"/>
+                <a:tint val="67000"/>
+              </a:schemeClr>
+            </a:gs>
+            <a:gs pos="50000">
+              <a:schemeClr val="phClr">
+                <a:lumMod val="105000"/>
+                <a:satMod val="103000"/>
+                <a:tint val="73000"/>
+              </a:schemeClr>
+            </a:gs>
+            <a:gs pos="100000">
+              <a:schemeClr val="phClr">
+                <a:lumMod val="105000"/>
+                <a:satMod val="109000"/>
+                <a:tint val="81000"/>
+              </a:schemeClr>
+            </a:gs>
+          </a:gsLst>
+          <a:lin ang="5400000" scaled="0"/>
+        </a:gradFill>
+        <a:gradFill rotWithShape="1">
+          <a:gsLst>
+            <a:gs pos="0">
+              <a:schemeClr val="phClr">
+                <a:satMod val="103000"/>
+                <a:lumMod val="102000"/>
+                <a:tint val="94000"/>
+              </a:schemeClr>
+            </a:gs>
+            <a:gs pos="50000">
+              <a:schemeClr val="phClr">
+                <a:satMod val="110000"/>
+                <a:lumMod val="100000"/>
+                <a:shade val="100000"/>
+              </a:schemeClr>
+            </a:gs>
+            <a:gs pos="100000">
+              <a:schemeClr val="phClr">
+                <a:lumMod val="99000"/>
+                <a:satMod val="120000"/>
+                <a:shade val="78000"/>
+              </a:schemeClr>
+            </a:gs>
+          </a:gsLst>
+          <a:lin ang="5400000" scaled="0"/>
+        </a:gradFill>
+      </a:fillStyleLst>
+      <a:lnStyleLst>
+        <a:ln w="6350" cap="flat" cmpd="sng" algn="ctr">
+          <a:solidFill>
+            <a:schemeClr val="phClr"/>
+          </a:solidFill>
+          <a:prstDash val="solid"/>
+          <a:miter lim="800000"/>
+        </a:ln>
+        <a:ln w="12700" cap="flat" cmpd="sng" algn="ctr">
+          <a:solidFill>
+            <a:schemeClr val="phClr"/>
+          </a:solidFill>
+          <a:prstDash val="solid"/>
+          <a:miter lim="800000"/>
+        </a:ln>
+        <a:ln w="19050" cap="flat" cmpd="sng" algn="ctr">
+          <a:solidFill>
+            <a:schemeClr val="phClr"/>
+          </a:solidFill>
+          <a:prstDash val="solid"/>
+          <a:miter lim="800000"/>
+        </a:ln>
+      </a:lnStyleLst>
+      <a:effectStyleLst>
+        <a:effectStyle>
+          <a:effectLst/>
+        </a:effectStyle>
+        <a:effectStyle>
+          <a:effectLst/>
+        </a:effectStyle>
+        <a:effectStyle>
+          <a:effectLst>
+            <a:outerShdw blurRad="57150" dist="19050" dir="5400000" algn="ctr" rotWithShape="0">
+              <a:srgbClr val="000000">
+                <a:alpha val="63000"/>
+              </a:srgbClr>
+            </a:outerShdw>
+          </a:effectLst>
+        </a:effectStyle>
+      </a:effectStyleLst>
+      <a:bgFillStyleLst>
+        <a:solidFill>
+          <a:schemeClr val="phClr"/>
+        </a:solidFill>
+        <a:solidFill>
+          <a:schemeClr val="phClr">
+            <a:tint val="95000"/>
+            <a:satMod val="170000"/>
+          </a:schemeClr>
+        </a:solidFill>
+        <a:gradFill rotWithShape="1">
+          <a:gsLst>
+            <a:gs pos="0">
+              <a:schemeClr val="phClr">
+                <a:tint val="93000"/>
+                <a:satMod val="150000"/>
+                <a:shade val="98000"/>
+                <a:lumMod val="102000"/>
+              </a:schemeClr>
+            </a:gs>
+            <a:gs pos="50000">
+              <a:schemeClr val="phClr">
+                <a:tint val="98000"/>
+                <a:satMod val="130000"/>
+                <a:shade val="90000"/>
+                <a:lumMod val="103000"/>
+              </a:schemeClr>
+            </a:gs>
+            <a:gs pos="100000">
+              <a:schemeClr val="phClr">
+                <a:shade val="63000"/>
+                <a:satMod val="120000"/>
+              </a:schemeClr>
+            </a:gs>
+          </a:gsLst>
+          <a:lin ang="5400000" scaled="0"/>
+        </a:gradFill>
+      </a:bgFillStyleLst>
+    </a:fmtScheme>
+  </a:themeElements>
+  <a:objectDefaults/>
+  <a:extraClrSchemeLst/>
+  <a:extLst>
+    <a:ext uri="{05A4C25C-085E-4340-85A3-A5531E510DB2}">
+      <thm15:themeFamily xmlns:thm15="http://schemas.microsoft.com/office/thememl/2012/main" name="Office Theme" id="{62F939B6-93AF-4DB8-9C6B-D6C7DFDC589F}" vid="{4A3C46E8-61CC-4603-A589-7422A47A8E4A}"/>
+    </a:ext>
+  </a:extLst>
+</a:theme>
 </file>